--- a/output/SOCAR_Test_Report.pptx
+++ b/output/SOCAR_Test_Report.pptx
@@ -3111,6 +3111,146 @@
           <a:p/>
         </p:txBody>
       </p:sp>
+      <p:sp>
+        <p:nvSpPr>
+          <p:cNvPr id="3" name="TextBox 2"/>
+          <p:cNvSpPr txBox="1"/>
+          <p:nvPr/>
+        </p:nvSpPr>
+        <p:spPr>
+          <a:xfrm>
+            <a:off x="457200" y="1645920"/>
+            <a:ext cx="8229600" cy="914400"/>
+          </a:xfrm>
+          <a:prstGeom prst="rect">
+            <a:avLst/>
+          </a:prstGeom>
+          <a:noFill/>
+        </p:spPr>
+        <p:txBody>
+          <a:bodyPr wrap="none">
+            <a:spAutoFit/>
+          </a:bodyPr>
+          <a:lstStyle/>
+          <a:p>
+            <a:pPr algn="ctr"/>
+            <a:r>
+              <a:rPr sz="4800" b="1" i="0">
+                <a:solidFill>
+                  <a:srgbClr val="DC2626"/>
+                </a:solidFill>
+                <a:latin typeface="Calibri"/>
+              </a:rPr>
+              <a:t>SOCAR TÜRKİYE</a:t>
+            </a:r>
+          </a:p>
+        </p:txBody>
+      </p:sp>
+      <p:sp>
+        <p:nvSpPr>
+          <p:cNvPr id="4" name="TextBox 3"/>
+          <p:cNvSpPr txBox="1"/>
+          <p:nvPr/>
+        </p:nvSpPr>
+        <p:spPr>
+          <a:xfrm>
+            <a:off x="457200" y="2651760"/>
+            <a:ext cx="8229600" cy="731520"/>
+          </a:xfrm>
+          <a:prstGeom prst="rect">
+            <a:avLst/>
+          </a:prstGeom>
+          <a:noFill/>
+        </p:spPr>
+        <p:txBody>
+          <a:bodyPr wrap="none">
+            <a:spAutoFit/>
+          </a:bodyPr>
+          <a:lstStyle/>
+          <a:p>
+            <a:pPr algn="ctr"/>
+            <a:r>
+              <a:rPr sz="3200" b="1" i="0">
+                <a:solidFill>
+                  <a:srgbClr val="1F2937"/>
+                </a:solidFill>
+                <a:latin typeface="Calibri"/>
+              </a:rPr>
+              <a:t>Aylık Medya Yansıma Raporu</a:t>
+            </a:r>
+          </a:p>
+        </p:txBody>
+      </p:sp>
+      <p:sp>
+        <p:nvSpPr>
+          <p:cNvPr id="5" name="TextBox 4"/>
+          <p:cNvSpPr txBox="1"/>
+          <p:nvPr/>
+        </p:nvSpPr>
+        <p:spPr>
+          <a:xfrm>
+            <a:off x="457200" y="3566160"/>
+            <a:ext cx="8229600" cy="640080"/>
+          </a:xfrm>
+          <a:prstGeom prst="rect">
+            <a:avLst/>
+          </a:prstGeom>
+          <a:noFill/>
+        </p:spPr>
+        <p:txBody>
+          <a:bodyPr wrap="none">
+            <a:spAutoFit/>
+          </a:bodyPr>
+          <a:lstStyle/>
+          <a:p>
+            <a:pPr algn="ctr"/>
+            <a:r>
+              <a:rPr sz="2600" b="0" i="0">
+                <a:solidFill>
+                  <a:srgbClr val="DC2626"/>
+                </a:solidFill>
+                <a:latin typeface="Calibri"/>
+              </a:rPr>
+              <a:t>November 2025</a:t>
+            </a:r>
+          </a:p>
+        </p:txBody>
+      </p:sp>
+      <p:sp>
+        <p:nvSpPr>
+          <p:cNvPr id="6" name="TextBox 5"/>
+          <p:cNvSpPr txBox="1"/>
+          <p:nvPr/>
+        </p:nvSpPr>
+        <p:spPr>
+          <a:xfrm>
+            <a:off x="457200" y="4297680"/>
+            <a:ext cx="8229600" cy="457200"/>
+          </a:xfrm>
+          <a:prstGeom prst="rect">
+            <a:avLst/>
+          </a:prstGeom>
+          <a:noFill/>
+        </p:spPr>
+        <p:txBody>
+          <a:bodyPr wrap="none">
+            <a:spAutoFit/>
+          </a:bodyPr>
+          <a:lstStyle/>
+          <a:p>
+            <a:pPr algn="ctr"/>
+            <a:r>
+              <a:rPr sz="1400" b="0" i="0">
+                <a:solidFill>
+                  <a:srgbClr val="6B7280"/>
+                </a:solidFill>
+                <a:latin typeface="Calibri"/>
+              </a:rPr>
+              <a:t>Enerji Sektörü - Medya İzleme ve Analiz</a:t>
+            </a:r>
+          </a:p>
+        </p:txBody>
+      </p:sp>
     </p:spTree>
   </p:cSld>
   <p:clrMapOvr>
@@ -3146,6 +3286,325 @@
           <a:p/>
         </p:txBody>
       </p:sp>
+      <p:sp>
+        <p:nvSpPr>
+          <p:cNvPr id="3" name="TextBox 2"/>
+          <p:cNvSpPr txBox="1"/>
+          <p:nvPr/>
+        </p:nvSpPr>
+        <p:spPr>
+          <a:xfrm>
+            <a:off x="457200" y="457200"/>
+            <a:ext cx="8229600" cy="640080"/>
+          </a:xfrm>
+          <a:prstGeom prst="rect">
+            <a:avLst/>
+          </a:prstGeom>
+          <a:noFill/>
+        </p:spPr>
+        <p:txBody>
+          <a:bodyPr wrap="none">
+            <a:spAutoFit/>
+          </a:bodyPr>
+          <a:lstStyle/>
+          <a:p>
+            <a:pPr algn="l"/>
+            <a:r>
+              <a:rPr sz="3200" b="1" i="0">
+                <a:solidFill>
+                  <a:srgbClr val="1F2937"/>
+                </a:solidFill>
+                <a:latin typeface="Calibri"/>
+              </a:rPr>
+              <a:t>Yönetici Özeti</a:t>
+            </a:r>
+          </a:p>
+        </p:txBody>
+      </p:sp>
+      <p:sp>
+        <p:nvSpPr>
+          <p:cNvPr id="4" name="Rounded Rectangle 3"/>
+          <p:cNvSpPr/>
+          <p:nvPr/>
+        </p:nvSpPr>
+        <p:spPr>
+          <a:xfrm>
+            <a:off x="457200" y="1280160"/>
+            <a:ext cx="8229600" cy="457200"/>
+          </a:xfrm>
+          <a:prstGeom prst="roundRect">
+            <a:avLst/>
+          </a:prstGeom>
+          <a:solidFill>
+            <a:srgbClr val="FEF2F2"/>
+          </a:solidFill>
+          <a:ln w="25400">
+            <a:solidFill>
+              <a:srgbClr val="FEF2F2"/>
+            </a:solidFill>
+          </a:ln>
+        </p:spPr>
+        <p:style>
+          <a:lnRef idx="1">
+            <a:schemeClr val="accent1"/>
+          </a:lnRef>
+          <a:fillRef idx="3">
+            <a:schemeClr val="accent1"/>
+          </a:fillRef>
+          <a:effectRef idx="2">
+            <a:schemeClr val="accent1"/>
+          </a:effectRef>
+          <a:fontRef idx="minor">
+            <a:schemeClr val="lt1"/>
+          </a:fontRef>
+        </p:style>
+        <p:txBody>
+          <a:bodyPr rtlCol="0" anchor="t"/>
+          <a:lstStyle/>
+          <a:p>
+            <a:pPr algn="ctr">
+              <a:defRPr sz="1300" b="1">
+                <a:latin typeface="Calibri"/>
+              </a:defRPr>
+            </a:pPr>
+            <a:r>
+              <a:t>📊 Total Toplam Haber: 1,369</a:t>
+            </a:r>
+          </a:p>
+        </p:txBody>
+      </p:sp>
+      <p:sp>
+        <p:nvSpPr>
+          <p:cNvPr id="5" name="Rounded Rectangle 4"/>
+          <p:cNvSpPr/>
+          <p:nvPr/>
+        </p:nvSpPr>
+        <p:spPr>
+          <a:xfrm>
+            <a:off x="457200" y="1920240"/>
+            <a:ext cx="8229600" cy="457200"/>
+          </a:xfrm>
+          <a:prstGeom prst="roundRect">
+            <a:avLst/>
+          </a:prstGeom>
+          <a:solidFill>
+            <a:srgbClr val="FEF2F2"/>
+          </a:solidFill>
+          <a:ln w="25400">
+            <a:solidFill>
+              <a:srgbClr val="FEF2F2"/>
+            </a:solidFill>
+          </a:ln>
+        </p:spPr>
+        <p:style>
+          <a:lnRef idx="1">
+            <a:schemeClr val="accent1"/>
+          </a:lnRef>
+          <a:fillRef idx="3">
+            <a:schemeClr val="accent1"/>
+          </a:fillRef>
+          <a:effectRef idx="2">
+            <a:schemeClr val="accent1"/>
+          </a:effectRef>
+          <a:fontRef idx="minor">
+            <a:schemeClr val="lt1"/>
+          </a:fontRef>
+        </p:style>
+        <p:txBody>
+          <a:bodyPr rtlCol="0" anchor="t"/>
+          <a:lstStyle/>
+          <a:p>
+            <a:pPr algn="ctr">
+              <a:defRPr sz="1300" b="1">
+                <a:latin typeface="Calibri"/>
+              </a:defRPr>
+            </a:pPr>
+            <a:r>
+              <a:t>📊 Average Toplam Haber: 62.2</a:t>
+            </a:r>
+          </a:p>
+        </p:txBody>
+      </p:sp>
+      <p:sp>
+        <p:nvSpPr>
+          <p:cNvPr id="6" name="Rounded Rectangle 5"/>
+          <p:cNvSpPr/>
+          <p:nvPr/>
+        </p:nvSpPr>
+        <p:spPr>
+          <a:xfrm>
+            <a:off x="457200" y="2560320"/>
+            <a:ext cx="8229600" cy="457200"/>
+          </a:xfrm>
+          <a:prstGeom prst="roundRect">
+            <a:avLst/>
+          </a:prstGeom>
+          <a:solidFill>
+            <a:srgbClr val="FEF2F2"/>
+          </a:solidFill>
+          <a:ln w="25400">
+            <a:solidFill>
+              <a:srgbClr val="FEF2F2"/>
+            </a:solidFill>
+          </a:ln>
+        </p:spPr>
+        <p:style>
+          <a:lnRef idx="1">
+            <a:schemeClr val="accent1"/>
+          </a:lnRef>
+          <a:fillRef idx="3">
+            <a:schemeClr val="accent1"/>
+          </a:fillRef>
+          <a:effectRef idx="2">
+            <a:schemeClr val="accent1"/>
+          </a:effectRef>
+          <a:fontRef idx="minor">
+            <a:schemeClr val="lt1"/>
+          </a:fontRef>
+        </p:style>
+        <p:txBody>
+          <a:bodyPr rtlCol="0" anchor="t"/>
+          <a:lstStyle/>
+          <a:p>
+            <a:pPr algn="ctr">
+              <a:defRPr sz="1300" b="1">
+                <a:latin typeface="Calibri"/>
+              </a:defRPr>
+            </a:pPr>
+            <a:r>
+              <a:t>📊 Total Erişim: 3,322,540</a:t>
+            </a:r>
+          </a:p>
+        </p:txBody>
+      </p:sp>
+      <p:sp>
+        <p:nvSpPr>
+          <p:cNvPr id="7" name="Rounded Rectangle 6"/>
+          <p:cNvSpPr/>
+          <p:nvPr/>
+        </p:nvSpPr>
+        <p:spPr>
+          <a:xfrm>
+            <a:off x="457200" y="3200399"/>
+            <a:ext cx="8229600" cy="457200"/>
+          </a:xfrm>
+          <a:prstGeom prst="roundRect">
+            <a:avLst/>
+          </a:prstGeom>
+          <a:solidFill>
+            <a:srgbClr val="FEF2F2"/>
+          </a:solidFill>
+          <a:ln w="25400">
+            <a:solidFill>
+              <a:srgbClr val="FEF2F2"/>
+            </a:solidFill>
+          </a:ln>
+        </p:spPr>
+        <p:style>
+          <a:lnRef idx="1">
+            <a:schemeClr val="accent1"/>
+          </a:lnRef>
+          <a:fillRef idx="3">
+            <a:schemeClr val="accent1"/>
+          </a:fillRef>
+          <a:effectRef idx="2">
+            <a:schemeClr val="accent1"/>
+          </a:effectRef>
+          <a:fontRef idx="minor">
+            <a:schemeClr val="lt1"/>
+          </a:fontRef>
+        </p:style>
+        <p:txBody>
+          <a:bodyPr rtlCol="0" anchor="t"/>
+          <a:lstStyle/>
+          <a:p>
+            <a:pPr algn="ctr">
+              <a:defRPr sz="1300" b="1">
+                <a:latin typeface="Calibri"/>
+              </a:defRPr>
+            </a:pPr>
+            <a:r>
+              <a:t>📊 Average Erişim: 195,443.5</a:t>
+            </a:r>
+          </a:p>
+        </p:txBody>
+      </p:sp>
+      <p:sp>
+        <p:nvSpPr>
+          <p:cNvPr id="8" name="Rounded Rectangle 7"/>
+          <p:cNvSpPr/>
+          <p:nvPr/>
+        </p:nvSpPr>
+        <p:spPr>
+          <a:xfrm>
+            <a:off x="457200" y="3840480"/>
+            <a:ext cx="8229600" cy="457200"/>
+          </a:xfrm>
+          <a:prstGeom prst="roundRect">
+            <a:avLst/>
+          </a:prstGeom>
+          <a:solidFill>
+            <a:srgbClr val="FEF2F2"/>
+          </a:solidFill>
+          <a:ln w="25400">
+            <a:solidFill>
+              <a:srgbClr val="FEF2F2"/>
+            </a:solidFill>
+          </a:ln>
+        </p:spPr>
+        <p:style>
+          <a:lnRef idx="1">
+            <a:schemeClr val="accent1"/>
+          </a:lnRef>
+          <a:fillRef idx="3">
+            <a:schemeClr val="accent1"/>
+          </a:fillRef>
+          <a:effectRef idx="2">
+            <a:schemeClr val="accent1"/>
+          </a:effectRef>
+          <a:fontRef idx="minor">
+            <a:schemeClr val="lt1"/>
+          </a:fontRef>
+        </p:style>
+        <p:txBody>
+          <a:bodyPr rtlCol="0" anchor="t"/>
+          <a:lstStyle/>
+          <a:p>
+            <a:pPr algn="ctr">
+              <a:defRPr sz="1300" b="1">
+                <a:latin typeface="Calibri"/>
+              </a:defRPr>
+            </a:pPr>
+            <a:r>
+              <a:t>⭐ Highest Toplam Haber: nan (104)</a:t>
+            </a:r>
+          </a:p>
+        </p:txBody>
+      </p:sp>
+      <p:pic>
+        <p:nvPicPr>
+          <p:cNvPr id="9" name="Picture 8" descr="tmpvhhwurg9.png"/>
+          <p:cNvPicPr>
+            <a:picLocks noChangeAspect="1"/>
+          </p:cNvPicPr>
+          <p:nvPr/>
+        </p:nvPicPr>
+        <p:blipFill>
+          <a:blip r:embed="rId2"/>
+          <a:stretch>
+            <a:fillRect/>
+          </a:stretch>
+        </p:blipFill>
+        <p:spPr>
+          <a:xfrm>
+            <a:off x="457200" y="3291840"/>
+            <a:ext cx="8229600" cy="2926080"/>
+          </a:xfrm>
+          <a:prstGeom prst="rect">
+            <a:avLst/>
+          </a:prstGeom>
+        </p:spPr>
+      </p:pic>
     </p:spTree>
   </p:cSld>
   <p:clrMapOvr>
@@ -3181,6 +3640,1027 @@
           <a:p/>
         </p:txBody>
       </p:sp>
+      <p:sp>
+        <p:nvSpPr>
+          <p:cNvPr id="3" name="TextBox 2"/>
+          <p:cNvSpPr txBox="1"/>
+          <p:nvPr/>
+        </p:nvSpPr>
+        <p:spPr>
+          <a:xfrm>
+            <a:off x="457200" y="365760"/>
+            <a:ext cx="8229600" cy="548640"/>
+          </a:xfrm>
+          <a:prstGeom prst="rect">
+            <a:avLst/>
+          </a:prstGeom>
+          <a:noFill/>
+        </p:spPr>
+        <p:txBody>
+          <a:bodyPr wrap="none">
+            <a:spAutoFit/>
+          </a:bodyPr>
+          <a:lstStyle/>
+          <a:p>
+            <a:pPr algn="l"/>
+            <a:r>
+              <a:rPr sz="2800" b="1" i="0">
+                <a:solidFill>
+                  <a:srgbClr val="1F2937"/>
+                </a:solidFill>
+                <a:latin typeface="Calibri"/>
+              </a:rPr>
+              <a:t>Medya Kapsam Analizi</a:t>
+            </a:r>
+          </a:p>
+        </p:txBody>
+      </p:sp>
+      <p:graphicFrame>
+        <p:nvGraphicFramePr>
+          <p:cNvPr id="4" name="Table 3"/>
+          <p:cNvGraphicFramePr>
+            <a:graphicFrameLocks noGrp="1"/>
+          </p:cNvGraphicFramePr>
+          <p:nvPr/>
+        </p:nvGraphicFramePr>
+        <p:xfrm>
+          <a:off x="457200" y="1097280"/>
+          <a:ext cx="8229600" cy="2743200"/>
+        </p:xfrm>
+        <a:graphic>
+          <a:graphicData uri="http://schemas.openxmlformats.org/drawingml/2006/table">
+            <a:tbl>
+              <a:tblPr firstRow="1" bandRow="1">
+                <a:tableStyleId>{5C22544A-7EE6-4342-B048-85BDC9FD1C3A}</a:tableStyleId>
+              </a:tblPr>
+              <a:tblGrid>
+                <a:gridCol w="2057400"/>
+                <a:gridCol w="2057400"/>
+                <a:gridCol w="2057400"/>
+                <a:gridCol w="2057400"/>
+              </a:tblGrid>
+              <a:tr h="119269">
+                <a:tc>
+                  <a:txBody>
+                    <a:bodyPr/>
+                    <a:lstStyle/>
+                    <a:p>
+                      <a:pPr algn="ctr"/>
+                      <a:r>
+                        <a:rPr sz="1100" b="1">
+                          <a:solidFill>
+                            <a:srgbClr val="FFFFFF"/>
+                          </a:solidFill>
+                          <a:latin typeface="Calibri"/>
+                        </a:rPr>
+                        <a:t>Kategori</a:t>
+                      </a:r>
+                    </a:p>
+                  </a:txBody>
+                  <a:tcPr>
+                    <a:solidFill>
+                      <a:srgbClr val="DC2626"/>
+                    </a:solidFill>
+                  </a:tcPr>
+                </a:tc>
+                <a:tc>
+                  <a:txBody>
+                    <a:bodyPr/>
+                    <a:lstStyle/>
+                    <a:p>
+                      <a:pPr algn="ctr"/>
+                      <a:r>
+                        <a:rPr sz="1100" b="1">
+                          <a:solidFill>
+                            <a:srgbClr val="FFFFFF"/>
+                          </a:solidFill>
+                          <a:latin typeface="Calibri"/>
+                        </a:rPr>
+                        <a:t>Toplam Haber</a:t>
+                      </a:r>
+                    </a:p>
+                  </a:txBody>
+                  <a:tcPr>
+                    <a:solidFill>
+                      <a:srgbClr val="DC2626"/>
+                    </a:solidFill>
+                  </a:tcPr>
+                </a:tc>
+                <a:tc>
+                  <a:txBody>
+                    <a:bodyPr/>
+                    <a:lstStyle/>
+                    <a:p>
+                      <a:pPr algn="ctr"/>
+                      <a:r>
+                        <a:rPr sz="1100" b="1">
+                          <a:solidFill>
+                            <a:srgbClr val="FFFFFF"/>
+                          </a:solidFill>
+                          <a:latin typeface="Calibri"/>
+                        </a:rPr>
+                        <a:t>Erişim</a:t>
+                      </a:r>
+                    </a:p>
+                  </a:txBody>
+                  <a:tcPr>
+                    <a:solidFill>
+                      <a:srgbClr val="DC2626"/>
+                    </a:solidFill>
+                  </a:tcPr>
+                </a:tc>
+                <a:tc>
+                  <a:txBody>
+                    <a:bodyPr/>
+                    <a:lstStyle/>
+                    <a:p>
+                      <a:pPr algn="ctr"/>
+                      <a:r>
+                        <a:rPr sz="1100" b="1">
+                          <a:solidFill>
+                            <a:srgbClr val="FFFFFF"/>
+                          </a:solidFill>
+                          <a:latin typeface="Calibri"/>
+                        </a:rPr>
+                        <a:t>Net Etki</a:t>
+                      </a:r>
+                    </a:p>
+                  </a:txBody>
+                  <a:tcPr>
+                    <a:solidFill>
+                      <a:srgbClr val="DC2626"/>
+                    </a:solidFill>
+                  </a:tcPr>
+                </a:tc>
+              </a:tr>
+              <a:tr h="119269">
+                <a:tc>
+                  <a:txBody>
+                    <a:bodyPr/>
+                    <a:lstStyle/>
+                    <a:p/>
+                  </a:txBody>
+                  <a:tcPr/>
+                </a:tc>
+                <a:tc>
+                  <a:txBody>
+                    <a:bodyPr/>
+                    <a:lstStyle/>
+                    <a:p/>
+                  </a:txBody>
+                  <a:tcPr/>
+                </a:tc>
+                <a:tc>
+                  <a:txBody>
+                    <a:bodyPr/>
+                    <a:lstStyle/>
+                    <a:p/>
+                  </a:txBody>
+                  <a:tcPr/>
+                </a:tc>
+                <a:tc>
+                  <a:txBody>
+                    <a:bodyPr/>
+                    <a:lstStyle/>
+                    <a:p/>
+                  </a:txBody>
+                  <a:tcPr/>
+                </a:tc>
+              </a:tr>
+              <a:tr h="119269">
+                <a:tc>
+                  <a:txBody>
+                    <a:bodyPr/>
+                    <a:lstStyle/>
+                    <a:p/>
+                  </a:txBody>
+                  <a:tcPr/>
+                </a:tc>
+                <a:tc>
+                  <a:txBody>
+                    <a:bodyPr/>
+                    <a:lstStyle/>
+                    <a:p/>
+                  </a:txBody>
+                  <a:tcPr/>
+                </a:tc>
+                <a:tc>
+                  <a:txBody>
+                    <a:bodyPr/>
+                    <a:lstStyle/>
+                    <a:p/>
+                  </a:txBody>
+                  <a:tcPr/>
+                </a:tc>
+                <a:tc>
+                  <a:txBody>
+                    <a:bodyPr/>
+                    <a:lstStyle/>
+                    <a:p/>
+                  </a:txBody>
+                  <a:tcPr/>
+                </a:tc>
+              </a:tr>
+              <a:tr h="119269">
+                <a:tc>
+                  <a:txBody>
+                    <a:bodyPr/>
+                    <a:lstStyle/>
+                    <a:p/>
+                  </a:txBody>
+                  <a:tcPr/>
+                </a:tc>
+                <a:tc>
+                  <a:txBody>
+                    <a:bodyPr/>
+                    <a:lstStyle/>
+                    <a:p/>
+                  </a:txBody>
+                  <a:tcPr/>
+                </a:tc>
+                <a:tc>
+                  <a:txBody>
+                    <a:bodyPr/>
+                    <a:lstStyle/>
+                    <a:p/>
+                  </a:txBody>
+                  <a:tcPr/>
+                </a:tc>
+                <a:tc>
+                  <a:txBody>
+                    <a:bodyPr/>
+                    <a:lstStyle/>
+                    <a:p/>
+                  </a:txBody>
+                  <a:tcPr/>
+                </a:tc>
+              </a:tr>
+              <a:tr h="119269">
+                <a:tc>
+                  <a:txBody>
+                    <a:bodyPr/>
+                    <a:lstStyle/>
+                    <a:p/>
+                  </a:txBody>
+                  <a:tcPr/>
+                </a:tc>
+                <a:tc>
+                  <a:txBody>
+                    <a:bodyPr/>
+                    <a:lstStyle/>
+                    <a:p/>
+                  </a:txBody>
+                  <a:tcPr/>
+                </a:tc>
+                <a:tc>
+                  <a:txBody>
+                    <a:bodyPr/>
+                    <a:lstStyle/>
+                    <a:p/>
+                  </a:txBody>
+                  <a:tcPr/>
+                </a:tc>
+                <a:tc>
+                  <a:txBody>
+                    <a:bodyPr/>
+                    <a:lstStyle/>
+                    <a:p/>
+                  </a:txBody>
+                  <a:tcPr/>
+                </a:tc>
+              </a:tr>
+              <a:tr h="119269">
+                <a:tc>
+                  <a:txBody>
+                    <a:bodyPr/>
+                    <a:lstStyle/>
+                    <a:p/>
+                  </a:txBody>
+                  <a:tcPr/>
+                </a:tc>
+                <a:tc>
+                  <a:txBody>
+                    <a:bodyPr/>
+                    <a:lstStyle/>
+                    <a:p/>
+                  </a:txBody>
+                  <a:tcPr/>
+                </a:tc>
+                <a:tc>
+                  <a:txBody>
+                    <a:bodyPr/>
+                    <a:lstStyle/>
+                    <a:p/>
+                  </a:txBody>
+                  <a:tcPr/>
+                </a:tc>
+                <a:tc>
+                  <a:txBody>
+                    <a:bodyPr/>
+                    <a:lstStyle/>
+                    <a:p/>
+                  </a:txBody>
+                  <a:tcPr/>
+                </a:tc>
+              </a:tr>
+              <a:tr h="119269">
+                <a:tc>
+                  <a:txBody>
+                    <a:bodyPr/>
+                    <a:lstStyle/>
+                    <a:p/>
+                  </a:txBody>
+                  <a:tcPr/>
+                </a:tc>
+                <a:tc>
+                  <a:txBody>
+                    <a:bodyPr/>
+                    <a:lstStyle/>
+                    <a:p/>
+                  </a:txBody>
+                  <a:tcPr/>
+                </a:tc>
+                <a:tc>
+                  <a:txBody>
+                    <a:bodyPr/>
+                    <a:lstStyle/>
+                    <a:p/>
+                  </a:txBody>
+                  <a:tcPr/>
+                </a:tc>
+                <a:tc>
+                  <a:txBody>
+                    <a:bodyPr/>
+                    <a:lstStyle/>
+                    <a:p/>
+                  </a:txBody>
+                  <a:tcPr/>
+                </a:tc>
+              </a:tr>
+              <a:tr h="119269">
+                <a:tc>
+                  <a:txBody>
+                    <a:bodyPr/>
+                    <a:lstStyle/>
+                    <a:p/>
+                  </a:txBody>
+                  <a:tcPr/>
+                </a:tc>
+                <a:tc>
+                  <a:txBody>
+                    <a:bodyPr/>
+                    <a:lstStyle/>
+                    <a:p/>
+                  </a:txBody>
+                  <a:tcPr/>
+                </a:tc>
+                <a:tc>
+                  <a:txBody>
+                    <a:bodyPr/>
+                    <a:lstStyle/>
+                    <a:p/>
+                  </a:txBody>
+                  <a:tcPr/>
+                </a:tc>
+                <a:tc>
+                  <a:txBody>
+                    <a:bodyPr/>
+                    <a:lstStyle/>
+                    <a:p/>
+                  </a:txBody>
+                  <a:tcPr/>
+                </a:tc>
+              </a:tr>
+              <a:tr h="119269">
+                <a:tc>
+                  <a:txBody>
+                    <a:bodyPr/>
+                    <a:lstStyle/>
+                    <a:p/>
+                  </a:txBody>
+                  <a:tcPr/>
+                </a:tc>
+                <a:tc>
+                  <a:txBody>
+                    <a:bodyPr/>
+                    <a:lstStyle/>
+                    <a:p/>
+                  </a:txBody>
+                  <a:tcPr/>
+                </a:tc>
+                <a:tc>
+                  <a:txBody>
+                    <a:bodyPr/>
+                    <a:lstStyle/>
+                    <a:p/>
+                  </a:txBody>
+                  <a:tcPr/>
+                </a:tc>
+                <a:tc>
+                  <a:txBody>
+                    <a:bodyPr/>
+                    <a:lstStyle/>
+                    <a:p/>
+                  </a:txBody>
+                  <a:tcPr/>
+                </a:tc>
+              </a:tr>
+              <a:tr h="119269">
+                <a:tc>
+                  <a:txBody>
+                    <a:bodyPr/>
+                    <a:lstStyle/>
+                    <a:p/>
+                  </a:txBody>
+                  <a:tcPr/>
+                </a:tc>
+                <a:tc>
+                  <a:txBody>
+                    <a:bodyPr/>
+                    <a:lstStyle/>
+                    <a:p/>
+                  </a:txBody>
+                  <a:tcPr/>
+                </a:tc>
+                <a:tc>
+                  <a:txBody>
+                    <a:bodyPr/>
+                    <a:lstStyle/>
+                    <a:p/>
+                  </a:txBody>
+                  <a:tcPr/>
+                </a:tc>
+                <a:tc>
+                  <a:txBody>
+                    <a:bodyPr/>
+                    <a:lstStyle/>
+                    <a:p/>
+                  </a:txBody>
+                  <a:tcPr/>
+                </a:tc>
+              </a:tr>
+              <a:tr h="119269">
+                <a:tc>
+                  <a:txBody>
+                    <a:bodyPr/>
+                    <a:lstStyle/>
+                    <a:p/>
+                  </a:txBody>
+                  <a:tcPr/>
+                </a:tc>
+                <a:tc>
+                  <a:txBody>
+                    <a:bodyPr/>
+                    <a:lstStyle/>
+                    <a:p/>
+                  </a:txBody>
+                  <a:tcPr/>
+                </a:tc>
+                <a:tc>
+                  <a:txBody>
+                    <a:bodyPr/>
+                    <a:lstStyle/>
+                    <a:p/>
+                  </a:txBody>
+                  <a:tcPr/>
+                </a:tc>
+                <a:tc>
+                  <a:txBody>
+                    <a:bodyPr/>
+                    <a:lstStyle/>
+                    <a:p/>
+                  </a:txBody>
+                  <a:tcPr/>
+                </a:tc>
+              </a:tr>
+              <a:tr h="119269">
+                <a:tc>
+                  <a:txBody>
+                    <a:bodyPr/>
+                    <a:lstStyle/>
+                    <a:p/>
+                  </a:txBody>
+                  <a:tcPr/>
+                </a:tc>
+                <a:tc>
+                  <a:txBody>
+                    <a:bodyPr/>
+                    <a:lstStyle/>
+                    <a:p/>
+                  </a:txBody>
+                  <a:tcPr/>
+                </a:tc>
+                <a:tc>
+                  <a:txBody>
+                    <a:bodyPr/>
+                    <a:lstStyle/>
+                    <a:p/>
+                  </a:txBody>
+                  <a:tcPr/>
+                </a:tc>
+                <a:tc>
+                  <a:txBody>
+                    <a:bodyPr/>
+                    <a:lstStyle/>
+                    <a:p/>
+                  </a:txBody>
+                  <a:tcPr/>
+                </a:tc>
+              </a:tr>
+              <a:tr h="119269">
+                <a:tc>
+                  <a:txBody>
+                    <a:bodyPr/>
+                    <a:lstStyle/>
+                    <a:p/>
+                  </a:txBody>
+                  <a:tcPr/>
+                </a:tc>
+                <a:tc>
+                  <a:txBody>
+                    <a:bodyPr/>
+                    <a:lstStyle/>
+                    <a:p/>
+                  </a:txBody>
+                  <a:tcPr/>
+                </a:tc>
+                <a:tc>
+                  <a:txBody>
+                    <a:bodyPr/>
+                    <a:lstStyle/>
+                    <a:p/>
+                  </a:txBody>
+                  <a:tcPr/>
+                </a:tc>
+                <a:tc>
+                  <a:txBody>
+                    <a:bodyPr/>
+                    <a:lstStyle/>
+                    <a:p/>
+                  </a:txBody>
+                  <a:tcPr/>
+                </a:tc>
+              </a:tr>
+              <a:tr h="119269">
+                <a:tc>
+                  <a:txBody>
+                    <a:bodyPr/>
+                    <a:lstStyle/>
+                    <a:p/>
+                  </a:txBody>
+                  <a:tcPr/>
+                </a:tc>
+                <a:tc>
+                  <a:txBody>
+                    <a:bodyPr/>
+                    <a:lstStyle/>
+                    <a:p/>
+                  </a:txBody>
+                  <a:tcPr/>
+                </a:tc>
+                <a:tc>
+                  <a:txBody>
+                    <a:bodyPr/>
+                    <a:lstStyle/>
+                    <a:p/>
+                  </a:txBody>
+                  <a:tcPr/>
+                </a:tc>
+                <a:tc>
+                  <a:txBody>
+                    <a:bodyPr/>
+                    <a:lstStyle/>
+                    <a:p/>
+                  </a:txBody>
+                  <a:tcPr/>
+                </a:tc>
+              </a:tr>
+              <a:tr h="119269">
+                <a:tc>
+                  <a:txBody>
+                    <a:bodyPr/>
+                    <a:lstStyle/>
+                    <a:p/>
+                  </a:txBody>
+                  <a:tcPr/>
+                </a:tc>
+                <a:tc>
+                  <a:txBody>
+                    <a:bodyPr/>
+                    <a:lstStyle/>
+                    <a:p/>
+                  </a:txBody>
+                  <a:tcPr/>
+                </a:tc>
+                <a:tc>
+                  <a:txBody>
+                    <a:bodyPr/>
+                    <a:lstStyle/>
+                    <a:p/>
+                  </a:txBody>
+                  <a:tcPr/>
+                </a:tc>
+                <a:tc>
+                  <a:txBody>
+                    <a:bodyPr/>
+                    <a:lstStyle/>
+                    <a:p/>
+                  </a:txBody>
+                  <a:tcPr/>
+                </a:tc>
+              </a:tr>
+              <a:tr h="119269">
+                <a:tc>
+                  <a:txBody>
+                    <a:bodyPr/>
+                    <a:lstStyle/>
+                    <a:p/>
+                  </a:txBody>
+                  <a:tcPr/>
+                </a:tc>
+                <a:tc>
+                  <a:txBody>
+                    <a:bodyPr/>
+                    <a:lstStyle/>
+                    <a:p/>
+                  </a:txBody>
+                  <a:tcPr/>
+                </a:tc>
+                <a:tc>
+                  <a:txBody>
+                    <a:bodyPr/>
+                    <a:lstStyle/>
+                    <a:p/>
+                  </a:txBody>
+                  <a:tcPr/>
+                </a:tc>
+                <a:tc>
+                  <a:txBody>
+                    <a:bodyPr/>
+                    <a:lstStyle/>
+                    <a:p/>
+                  </a:txBody>
+                  <a:tcPr/>
+                </a:tc>
+              </a:tr>
+              <a:tr h="119269">
+                <a:tc>
+                  <a:txBody>
+                    <a:bodyPr/>
+                    <a:lstStyle/>
+                    <a:p/>
+                  </a:txBody>
+                  <a:tcPr/>
+                </a:tc>
+                <a:tc>
+                  <a:txBody>
+                    <a:bodyPr/>
+                    <a:lstStyle/>
+                    <a:p/>
+                  </a:txBody>
+                  <a:tcPr/>
+                </a:tc>
+                <a:tc>
+                  <a:txBody>
+                    <a:bodyPr/>
+                    <a:lstStyle/>
+                    <a:p/>
+                  </a:txBody>
+                  <a:tcPr/>
+                </a:tc>
+                <a:tc>
+                  <a:txBody>
+                    <a:bodyPr/>
+                    <a:lstStyle/>
+                    <a:p/>
+                  </a:txBody>
+                  <a:tcPr/>
+                </a:tc>
+              </a:tr>
+              <a:tr h="119269">
+                <a:tc>
+                  <a:txBody>
+                    <a:bodyPr/>
+                    <a:lstStyle/>
+                    <a:p/>
+                  </a:txBody>
+                  <a:tcPr/>
+                </a:tc>
+                <a:tc>
+                  <a:txBody>
+                    <a:bodyPr/>
+                    <a:lstStyle/>
+                    <a:p/>
+                  </a:txBody>
+                  <a:tcPr/>
+                </a:tc>
+                <a:tc>
+                  <a:txBody>
+                    <a:bodyPr/>
+                    <a:lstStyle/>
+                    <a:p/>
+                  </a:txBody>
+                  <a:tcPr/>
+                </a:tc>
+                <a:tc>
+                  <a:txBody>
+                    <a:bodyPr/>
+                    <a:lstStyle/>
+                    <a:p/>
+                  </a:txBody>
+                  <a:tcPr/>
+                </a:tc>
+              </a:tr>
+              <a:tr h="119269">
+                <a:tc>
+                  <a:txBody>
+                    <a:bodyPr/>
+                    <a:lstStyle/>
+                    <a:p/>
+                  </a:txBody>
+                  <a:tcPr/>
+                </a:tc>
+                <a:tc>
+                  <a:txBody>
+                    <a:bodyPr/>
+                    <a:lstStyle/>
+                    <a:p/>
+                  </a:txBody>
+                  <a:tcPr/>
+                </a:tc>
+                <a:tc>
+                  <a:txBody>
+                    <a:bodyPr/>
+                    <a:lstStyle/>
+                    <a:p/>
+                  </a:txBody>
+                  <a:tcPr/>
+                </a:tc>
+                <a:tc>
+                  <a:txBody>
+                    <a:bodyPr/>
+                    <a:lstStyle/>
+                    <a:p/>
+                  </a:txBody>
+                  <a:tcPr/>
+                </a:tc>
+              </a:tr>
+              <a:tr h="119269">
+                <a:tc>
+                  <a:txBody>
+                    <a:bodyPr/>
+                    <a:lstStyle/>
+                    <a:p/>
+                  </a:txBody>
+                  <a:tcPr/>
+                </a:tc>
+                <a:tc>
+                  <a:txBody>
+                    <a:bodyPr/>
+                    <a:lstStyle/>
+                    <a:p/>
+                  </a:txBody>
+                  <a:tcPr/>
+                </a:tc>
+                <a:tc>
+                  <a:txBody>
+                    <a:bodyPr/>
+                    <a:lstStyle/>
+                    <a:p/>
+                  </a:txBody>
+                  <a:tcPr/>
+                </a:tc>
+                <a:tc>
+                  <a:txBody>
+                    <a:bodyPr/>
+                    <a:lstStyle/>
+                    <a:p/>
+                  </a:txBody>
+                  <a:tcPr/>
+                </a:tc>
+              </a:tr>
+              <a:tr h="119269">
+                <a:tc>
+                  <a:txBody>
+                    <a:bodyPr/>
+                    <a:lstStyle/>
+                    <a:p/>
+                  </a:txBody>
+                  <a:tcPr/>
+                </a:tc>
+                <a:tc>
+                  <a:txBody>
+                    <a:bodyPr/>
+                    <a:lstStyle/>
+                    <a:p/>
+                  </a:txBody>
+                  <a:tcPr/>
+                </a:tc>
+                <a:tc>
+                  <a:txBody>
+                    <a:bodyPr/>
+                    <a:lstStyle/>
+                    <a:p/>
+                  </a:txBody>
+                  <a:tcPr/>
+                </a:tc>
+                <a:tc>
+                  <a:txBody>
+                    <a:bodyPr/>
+                    <a:lstStyle/>
+                    <a:p/>
+                  </a:txBody>
+                  <a:tcPr/>
+                </a:tc>
+              </a:tr>
+              <a:tr h="119269">
+                <a:tc>
+                  <a:txBody>
+                    <a:bodyPr/>
+                    <a:lstStyle/>
+                    <a:p/>
+                  </a:txBody>
+                  <a:tcPr/>
+                </a:tc>
+                <a:tc>
+                  <a:txBody>
+                    <a:bodyPr/>
+                    <a:lstStyle/>
+                    <a:p/>
+                  </a:txBody>
+                  <a:tcPr/>
+                </a:tc>
+                <a:tc>
+                  <a:txBody>
+                    <a:bodyPr/>
+                    <a:lstStyle/>
+                    <a:p/>
+                  </a:txBody>
+                  <a:tcPr/>
+                </a:tc>
+                <a:tc>
+                  <a:txBody>
+                    <a:bodyPr/>
+                    <a:lstStyle/>
+                    <a:p/>
+                  </a:txBody>
+                  <a:tcPr/>
+                </a:tc>
+              </a:tr>
+              <a:tr h="119282">
+                <a:tc>
+                  <a:txBody>
+                    <a:bodyPr/>
+                    <a:lstStyle/>
+                    <a:p/>
+                  </a:txBody>
+                  <a:tcPr/>
+                </a:tc>
+                <a:tc>
+                  <a:txBody>
+                    <a:bodyPr/>
+                    <a:lstStyle/>
+                    <a:p/>
+                  </a:txBody>
+                  <a:tcPr/>
+                </a:tc>
+                <a:tc>
+                  <a:txBody>
+                    <a:bodyPr/>
+                    <a:lstStyle/>
+                    <a:p/>
+                  </a:txBody>
+                  <a:tcPr/>
+                </a:tc>
+                <a:tc>
+                  <a:txBody>
+                    <a:bodyPr/>
+                    <a:lstStyle/>
+                    <a:p/>
+                  </a:txBody>
+                  <a:tcPr/>
+                </a:tc>
+              </a:tr>
+            </a:tbl>
+          </a:graphicData>
+        </a:graphic>
+      </p:graphicFrame>
+      <p:sp>
+        <p:nvSpPr>
+          <p:cNvPr id="5" name="Rectangle 4"/>
+          <p:cNvSpPr/>
+          <p:nvPr/>
+        </p:nvSpPr>
+        <p:spPr>
+          <a:xfrm>
+            <a:off x="457200" y="4114800"/>
+            <a:ext cx="4114800" cy="2103120"/>
+          </a:xfrm>
+          <a:prstGeom prst="rect">
+            <a:avLst/>
+          </a:prstGeom>
+          <a:solidFill>
+            <a:srgbClr val="F3F4F6"/>
+          </a:solidFill>
+          <a:ln>
+            <a:solidFill>
+              <a:srgbClr val="D1D5DB"/>
+            </a:solidFill>
+          </a:ln>
+        </p:spPr>
+        <p:style>
+          <a:lnRef idx="1">
+            <a:schemeClr val="accent1"/>
+          </a:lnRef>
+          <a:fillRef idx="3">
+            <a:schemeClr val="accent1"/>
+          </a:fillRef>
+          <a:effectRef idx="2">
+            <a:schemeClr val="accent1"/>
+          </a:effectRef>
+          <a:fontRef idx="minor">
+            <a:schemeClr val="lt1"/>
+          </a:fontRef>
+        </p:style>
+        <p:txBody>
+          <a:bodyPr rtlCol="0" anchor="t"/>
+          <a:lstStyle/>
+          <a:p>
+            <a:pPr algn="ctr">
+              <a:defRPr sz="1200">
+                <a:solidFill>
+                  <a:srgbClr val="9CA3AF"/>
+                </a:solidFill>
+              </a:defRPr>
+            </a:pPr>
+            <a:r>
+              <a:t>[PIE Chart]</a:t>
+            </a:r>
+            <a:br/>
+            <a:r>
+              <a:t>No data available</a:t>
+            </a:r>
+          </a:p>
+        </p:txBody>
+      </p:sp>
+      <p:sp>
+        <p:nvSpPr>
+          <p:cNvPr id="6" name="Rectangle 5"/>
+          <p:cNvSpPr/>
+          <p:nvPr/>
+        </p:nvSpPr>
+        <p:spPr>
+          <a:xfrm>
+            <a:off x="4754880" y="4114800"/>
+            <a:ext cx="3931920" cy="2103120"/>
+          </a:xfrm>
+          <a:prstGeom prst="rect">
+            <a:avLst/>
+          </a:prstGeom>
+          <a:solidFill>
+            <a:srgbClr val="F3F4F6"/>
+          </a:solidFill>
+          <a:ln>
+            <a:solidFill>
+              <a:srgbClr val="D1D5DB"/>
+            </a:solidFill>
+          </a:ln>
+        </p:spPr>
+        <p:style>
+          <a:lnRef idx="1">
+            <a:schemeClr val="accent1"/>
+          </a:lnRef>
+          <a:fillRef idx="3">
+            <a:schemeClr val="accent1"/>
+          </a:fillRef>
+          <a:effectRef idx="2">
+            <a:schemeClr val="accent1"/>
+          </a:effectRef>
+          <a:fontRef idx="minor">
+            <a:schemeClr val="lt1"/>
+          </a:fontRef>
+        </p:style>
+        <p:txBody>
+          <a:bodyPr rtlCol="0" anchor="t"/>
+          <a:lstStyle/>
+          <a:p>
+            <a:pPr algn="ctr">
+              <a:defRPr sz="1200">
+                <a:solidFill>
+                  <a:srgbClr val="9CA3AF"/>
+                </a:solidFill>
+              </a:defRPr>
+            </a:pPr>
+            <a:r>
+              <a:t>[PIE Chart]</a:t>
+            </a:r>
+            <a:br/>
+            <a:r>
+              <a:t>No data available</a:t>
+            </a:r>
+          </a:p>
+        </p:txBody>
+      </p:sp>
     </p:spTree>
   </p:cSld>
   <p:clrMapOvr>
@@ -3216,6 +4696,154 @@
           <a:p/>
         </p:txBody>
       </p:sp>
+      <p:sp>
+        <p:nvSpPr>
+          <p:cNvPr id="3" name="TextBox 2"/>
+          <p:cNvSpPr txBox="1"/>
+          <p:nvPr/>
+        </p:nvSpPr>
+        <p:spPr>
+          <a:xfrm>
+            <a:off x="457200" y="365760"/>
+            <a:ext cx="8229600" cy="548640"/>
+          </a:xfrm>
+          <a:prstGeom prst="rect">
+            <a:avLst/>
+          </a:prstGeom>
+          <a:noFill/>
+        </p:spPr>
+        <p:txBody>
+          <a:bodyPr wrap="none">
+            <a:spAutoFit/>
+          </a:bodyPr>
+          <a:lstStyle/>
+          <a:p>
+            <a:pPr algn="l"/>
+            <a:r>
+              <a:rPr sz="2800" b="1" i="0">
+                <a:solidFill>
+                  <a:srgbClr val="1F2937"/>
+                </a:solidFill>
+                <a:latin typeface="Calibri"/>
+              </a:rPr>
+              <a:t>Algı Analizi</a:t>
+            </a:r>
+          </a:p>
+        </p:txBody>
+      </p:sp>
+      <p:sp>
+        <p:nvSpPr>
+          <p:cNvPr id="4" name="Rectangle 3"/>
+          <p:cNvSpPr/>
+          <p:nvPr/>
+        </p:nvSpPr>
+        <p:spPr>
+          <a:xfrm>
+            <a:off x="457200" y="1097280"/>
+            <a:ext cx="8229600" cy="3200400"/>
+          </a:xfrm>
+          <a:prstGeom prst="rect">
+            <a:avLst/>
+          </a:prstGeom>
+          <a:solidFill>
+            <a:srgbClr val="F3F4F6"/>
+          </a:solidFill>
+          <a:ln>
+            <a:solidFill>
+              <a:srgbClr val="D1D5DB"/>
+            </a:solidFill>
+          </a:ln>
+        </p:spPr>
+        <p:style>
+          <a:lnRef idx="1">
+            <a:schemeClr val="accent1"/>
+          </a:lnRef>
+          <a:fillRef idx="3">
+            <a:schemeClr val="accent1"/>
+          </a:fillRef>
+          <a:effectRef idx="2">
+            <a:schemeClr val="accent1"/>
+          </a:effectRef>
+          <a:fontRef idx="minor">
+            <a:schemeClr val="lt1"/>
+          </a:fontRef>
+        </p:style>
+        <p:txBody>
+          <a:bodyPr rtlCol="0" anchor="t"/>
+          <a:lstStyle/>
+          <a:p>
+            <a:pPr algn="ctr">
+              <a:defRPr sz="1200">
+                <a:solidFill>
+                  <a:srgbClr val="9CA3AF"/>
+                </a:solidFill>
+              </a:defRPr>
+            </a:pPr>
+            <a:r>
+              <a:t>[STACKED_BAR Chart]</a:t>
+            </a:r>
+            <a:br/>
+            <a:r>
+              <a:t>No data available</a:t>
+            </a:r>
+          </a:p>
+        </p:txBody>
+      </p:sp>
+      <p:sp>
+        <p:nvSpPr>
+          <p:cNvPr id="5" name="TextBox 4"/>
+          <p:cNvSpPr txBox="1"/>
+          <p:nvPr/>
+        </p:nvSpPr>
+        <p:spPr>
+          <a:xfrm>
+            <a:off x="457200" y="4572000"/>
+            <a:ext cx="8229600" cy="1645920"/>
+          </a:xfrm>
+          <a:prstGeom prst="rect">
+            <a:avLst/>
+          </a:prstGeom>
+          <a:noFill/>
+        </p:spPr>
+        <p:txBody>
+          <a:bodyPr wrap="square">
+            <a:spAutoFit/>
+          </a:bodyPr>
+          <a:lstStyle/>
+          <a:p>
+            <a:pPr>
+              <a:spcAft>
+                <a:spcPts val="800"/>
+              </a:spcAft>
+              <a:defRPr sz="1300">
+                <a:solidFill>
+                  <a:srgbClr val="1F2937"/>
+                </a:solidFill>
+                <a:latin typeface="Calibri"/>
+              </a:defRPr>
+            </a:pPr>
+            <a:r>
+              <a:t>🔄 nan leads nan by 3 (3.0%) in Toplam Haber</a:t>
+            </a:r>
+          </a:p>
+          <a:p>
+            <a:pPr>
+              <a:spcAft>
+                <a:spcPts val="800"/>
+              </a:spcAft>
+              <a:defRPr sz="1300">
+                <a:solidFill>
+                  <a:srgbClr val="1F2937"/>
+                </a:solidFill>
+                <a:latin typeface="Calibri"/>
+              </a:defRPr>
+            </a:pPr>
+            <a:r>
+              <a:t>⭐ Highest Toplam Haber: nan (104)</a:t>
+            </a:r>
+          </a:p>
+        </p:txBody>
+      </p:sp>
     </p:spTree>
   </p:cSld>
   <p:clrMapOvr>
@@ -3251,6 +4879,371 @@
           <a:p/>
         </p:txBody>
       </p:sp>
+      <p:sp>
+        <p:nvSpPr>
+          <p:cNvPr id="3" name="TextBox 2"/>
+          <p:cNvSpPr txBox="1"/>
+          <p:nvPr/>
+        </p:nvSpPr>
+        <p:spPr>
+          <a:xfrm>
+            <a:off x="457200" y="365760"/>
+            <a:ext cx="8229600" cy="548640"/>
+          </a:xfrm>
+          <a:prstGeom prst="rect">
+            <a:avLst/>
+          </a:prstGeom>
+          <a:noFill/>
+        </p:spPr>
+        <p:txBody>
+          <a:bodyPr wrap="none">
+            <a:spAutoFit/>
+          </a:bodyPr>
+          <a:lstStyle/>
+          <a:p>
+            <a:pPr algn="l"/>
+            <a:r>
+              <a:rPr sz="2800" b="1" i="0">
+                <a:solidFill>
+                  <a:srgbClr val="1F2937"/>
+                </a:solidFill>
+                <a:latin typeface="Calibri"/>
+              </a:rPr>
+              <a:t>Bölgesel Dağılım</a:t>
+            </a:r>
+          </a:p>
+        </p:txBody>
+      </p:sp>
+      <p:pic>
+        <p:nvPicPr>
+          <p:cNvPr id="4" name="Picture 3" descr="tmp29rjl5rw.png"/>
+          <p:cNvPicPr>
+            <a:picLocks noChangeAspect="1"/>
+          </p:cNvPicPr>
+          <p:nvPr/>
+        </p:nvPicPr>
+        <p:blipFill>
+          <a:blip r:embed="rId2"/>
+          <a:stretch>
+            <a:fillRect/>
+          </a:stretch>
+        </p:blipFill>
+        <p:spPr>
+          <a:xfrm>
+            <a:off x="457200" y="1097280"/>
+            <a:ext cx="8229600" cy="2926080"/>
+          </a:xfrm>
+          <a:prstGeom prst="rect">
+            <a:avLst/>
+          </a:prstGeom>
+        </p:spPr>
+      </p:pic>
+      <p:graphicFrame>
+        <p:nvGraphicFramePr>
+          <p:cNvPr id="5" name="Table 4"/>
+          <p:cNvGraphicFramePr>
+            <a:graphicFrameLocks noGrp="1"/>
+          </p:cNvGraphicFramePr>
+          <p:nvPr/>
+        </p:nvGraphicFramePr>
+        <p:xfrm>
+          <a:off x="457200" y="4297680"/>
+          <a:ext cx="8229600" cy="1920240"/>
+        </p:xfrm>
+        <a:graphic>
+          <a:graphicData uri="http://schemas.openxmlformats.org/drawingml/2006/table">
+            <a:tbl>
+              <a:tblPr firstRow="1" bandRow="1">
+                <a:tableStyleId>{5C22544A-7EE6-4342-B048-85BDC9FD1C3A}</a:tableStyleId>
+              </a:tblPr>
+              <a:tblGrid>
+                <a:gridCol w="2743200"/>
+                <a:gridCol w="2743200"/>
+                <a:gridCol w="2743200"/>
+              </a:tblGrid>
+              <a:tr h="213360">
+                <a:tc>
+                  <a:txBody>
+                    <a:bodyPr/>
+                    <a:lstStyle/>
+                    <a:p>
+                      <a:pPr algn="ctr"/>
+                      <a:r>
+                        <a:rPr sz="1000" b="1">
+                          <a:solidFill>
+                            <a:srgbClr val="FFFFFF"/>
+                          </a:solidFill>
+                          <a:latin typeface="Calibri"/>
+                        </a:rPr>
+                        <a:t>Bölge</a:t>
+                      </a:r>
+                    </a:p>
+                  </a:txBody>
+                  <a:tcPr>
+                    <a:solidFill>
+                      <a:srgbClr val="DC2626"/>
+                    </a:solidFill>
+                  </a:tcPr>
+                </a:tc>
+                <a:tc>
+                  <a:txBody>
+                    <a:bodyPr/>
+                    <a:lstStyle/>
+                    <a:p>
+                      <a:pPr algn="ctr"/>
+                      <a:r>
+                        <a:rPr sz="1000" b="1">
+                          <a:solidFill>
+                            <a:srgbClr val="FFFFFF"/>
+                          </a:solidFill>
+                          <a:latin typeface="Calibri"/>
+                        </a:rPr>
+                        <a:t>Toplam Haber</a:t>
+                      </a:r>
+                    </a:p>
+                  </a:txBody>
+                  <a:tcPr>
+                    <a:solidFill>
+                      <a:srgbClr val="DC2626"/>
+                    </a:solidFill>
+                  </a:tcPr>
+                </a:tc>
+                <a:tc>
+                  <a:txBody>
+                    <a:bodyPr/>
+                    <a:lstStyle/>
+                    <a:p>
+                      <a:pPr algn="ctr"/>
+                      <a:r>
+                        <a:rPr sz="1000" b="1">
+                          <a:solidFill>
+                            <a:srgbClr val="FFFFFF"/>
+                          </a:solidFill>
+                          <a:latin typeface="Calibri"/>
+                        </a:rPr>
+                        <a:t>Erişim</a:t>
+                      </a:r>
+                    </a:p>
+                  </a:txBody>
+                  <a:tcPr>
+                    <a:solidFill>
+                      <a:srgbClr val="DC2626"/>
+                    </a:solidFill>
+                  </a:tcPr>
+                </a:tc>
+              </a:tr>
+              <a:tr h="213360">
+                <a:tc>
+                  <a:txBody>
+                    <a:bodyPr/>
+                    <a:lstStyle/>
+                    <a:p/>
+                  </a:txBody>
+                  <a:tcPr/>
+                </a:tc>
+                <a:tc>
+                  <a:txBody>
+                    <a:bodyPr/>
+                    <a:lstStyle/>
+                    <a:p/>
+                  </a:txBody>
+                  <a:tcPr/>
+                </a:tc>
+                <a:tc>
+                  <a:txBody>
+                    <a:bodyPr/>
+                    <a:lstStyle/>
+                    <a:p/>
+                  </a:txBody>
+                  <a:tcPr/>
+                </a:tc>
+              </a:tr>
+              <a:tr h="213360">
+                <a:tc>
+                  <a:txBody>
+                    <a:bodyPr/>
+                    <a:lstStyle/>
+                    <a:p/>
+                  </a:txBody>
+                  <a:tcPr/>
+                </a:tc>
+                <a:tc>
+                  <a:txBody>
+                    <a:bodyPr/>
+                    <a:lstStyle/>
+                    <a:p/>
+                  </a:txBody>
+                  <a:tcPr/>
+                </a:tc>
+                <a:tc>
+                  <a:txBody>
+                    <a:bodyPr/>
+                    <a:lstStyle/>
+                    <a:p/>
+                  </a:txBody>
+                  <a:tcPr/>
+                </a:tc>
+              </a:tr>
+              <a:tr h="213360">
+                <a:tc>
+                  <a:txBody>
+                    <a:bodyPr/>
+                    <a:lstStyle/>
+                    <a:p/>
+                  </a:txBody>
+                  <a:tcPr/>
+                </a:tc>
+                <a:tc>
+                  <a:txBody>
+                    <a:bodyPr/>
+                    <a:lstStyle/>
+                    <a:p/>
+                  </a:txBody>
+                  <a:tcPr/>
+                </a:tc>
+                <a:tc>
+                  <a:txBody>
+                    <a:bodyPr/>
+                    <a:lstStyle/>
+                    <a:p/>
+                  </a:txBody>
+                  <a:tcPr/>
+                </a:tc>
+              </a:tr>
+              <a:tr h="213360">
+                <a:tc>
+                  <a:txBody>
+                    <a:bodyPr/>
+                    <a:lstStyle/>
+                    <a:p/>
+                  </a:txBody>
+                  <a:tcPr/>
+                </a:tc>
+                <a:tc>
+                  <a:txBody>
+                    <a:bodyPr/>
+                    <a:lstStyle/>
+                    <a:p/>
+                  </a:txBody>
+                  <a:tcPr/>
+                </a:tc>
+                <a:tc>
+                  <a:txBody>
+                    <a:bodyPr/>
+                    <a:lstStyle/>
+                    <a:p/>
+                  </a:txBody>
+                  <a:tcPr/>
+                </a:tc>
+              </a:tr>
+              <a:tr h="213360">
+                <a:tc>
+                  <a:txBody>
+                    <a:bodyPr/>
+                    <a:lstStyle/>
+                    <a:p/>
+                  </a:txBody>
+                  <a:tcPr/>
+                </a:tc>
+                <a:tc>
+                  <a:txBody>
+                    <a:bodyPr/>
+                    <a:lstStyle/>
+                    <a:p/>
+                  </a:txBody>
+                  <a:tcPr/>
+                </a:tc>
+                <a:tc>
+                  <a:txBody>
+                    <a:bodyPr/>
+                    <a:lstStyle/>
+                    <a:p/>
+                  </a:txBody>
+                  <a:tcPr/>
+                </a:tc>
+              </a:tr>
+              <a:tr h="213360">
+                <a:tc>
+                  <a:txBody>
+                    <a:bodyPr/>
+                    <a:lstStyle/>
+                    <a:p/>
+                  </a:txBody>
+                  <a:tcPr/>
+                </a:tc>
+                <a:tc>
+                  <a:txBody>
+                    <a:bodyPr/>
+                    <a:lstStyle/>
+                    <a:p/>
+                  </a:txBody>
+                  <a:tcPr/>
+                </a:tc>
+                <a:tc>
+                  <a:txBody>
+                    <a:bodyPr/>
+                    <a:lstStyle/>
+                    <a:p/>
+                  </a:txBody>
+                  <a:tcPr/>
+                </a:tc>
+              </a:tr>
+              <a:tr h="213360">
+                <a:tc>
+                  <a:txBody>
+                    <a:bodyPr/>
+                    <a:lstStyle/>
+                    <a:p/>
+                  </a:txBody>
+                  <a:tcPr/>
+                </a:tc>
+                <a:tc>
+                  <a:txBody>
+                    <a:bodyPr/>
+                    <a:lstStyle/>
+                    <a:p/>
+                  </a:txBody>
+                  <a:tcPr/>
+                </a:tc>
+                <a:tc>
+                  <a:txBody>
+                    <a:bodyPr/>
+                    <a:lstStyle/>
+                    <a:p/>
+                  </a:txBody>
+                  <a:tcPr/>
+                </a:tc>
+              </a:tr>
+              <a:tr h="213360">
+                <a:tc>
+                  <a:txBody>
+                    <a:bodyPr/>
+                    <a:lstStyle/>
+                    <a:p/>
+                  </a:txBody>
+                  <a:tcPr/>
+                </a:tc>
+                <a:tc>
+                  <a:txBody>
+                    <a:bodyPr/>
+                    <a:lstStyle/>
+                    <a:p/>
+                  </a:txBody>
+                  <a:tcPr/>
+                </a:tc>
+                <a:tc>
+                  <a:txBody>
+                    <a:bodyPr/>
+                    <a:lstStyle/>
+                    <a:p/>
+                  </a:txBody>
+                  <a:tcPr/>
+                </a:tc>
+              </a:tr>
+            </a:tbl>
+          </a:graphicData>
+        </a:graphic>
+      </p:graphicFrame>
     </p:spTree>
   </p:cSld>
   <p:clrMapOvr>
@@ -3286,6 +5279,138 @@
           <a:p/>
         </p:txBody>
       </p:sp>
+      <p:sp>
+        <p:nvSpPr>
+          <p:cNvPr id="3" name="TextBox 2"/>
+          <p:cNvSpPr txBox="1"/>
+          <p:nvPr/>
+        </p:nvSpPr>
+        <p:spPr>
+          <a:xfrm>
+            <a:off x="457200" y="365760"/>
+            <a:ext cx="8229600" cy="548640"/>
+          </a:xfrm>
+          <a:prstGeom prst="rect">
+            <a:avLst/>
+          </a:prstGeom>
+          <a:noFill/>
+        </p:spPr>
+        <p:txBody>
+          <a:bodyPr wrap="none">
+            <a:spAutoFit/>
+          </a:bodyPr>
+          <a:lstStyle/>
+          <a:p>
+            <a:pPr algn="l"/>
+            <a:r>
+              <a:rPr sz="2800" b="1" i="0">
+                <a:solidFill>
+                  <a:srgbClr val="1F2937"/>
+                </a:solidFill>
+                <a:latin typeface="Calibri"/>
+              </a:rPr>
+              <a:t>Medya Türü Analizi</a:t>
+            </a:r>
+          </a:p>
+        </p:txBody>
+      </p:sp>
+      <p:pic>
+        <p:nvPicPr>
+          <p:cNvPr id="4" name="Picture 3" descr="tmpihnm738y.png"/>
+          <p:cNvPicPr>
+            <a:picLocks noChangeAspect="1"/>
+          </p:cNvPicPr>
+          <p:nvPr/>
+        </p:nvPicPr>
+        <p:blipFill>
+          <a:blip r:embed="rId2"/>
+          <a:stretch>
+            <a:fillRect/>
+          </a:stretch>
+        </p:blipFill>
+        <p:spPr>
+          <a:xfrm>
+            <a:off x="457200" y="1097280"/>
+            <a:ext cx="8229600" cy="2743200"/>
+          </a:xfrm>
+          <a:prstGeom prst="rect">
+            <a:avLst/>
+          </a:prstGeom>
+        </p:spPr>
+      </p:pic>
+      <p:pic>
+        <p:nvPicPr>
+          <p:cNvPr id="5" name="Picture 4" descr="tmpi4j434yw.png"/>
+          <p:cNvPicPr>
+            <a:picLocks noChangeAspect="1"/>
+          </p:cNvPicPr>
+          <p:nvPr/>
+        </p:nvPicPr>
+        <p:blipFill>
+          <a:blip r:embed="rId3"/>
+          <a:stretch>
+            <a:fillRect/>
+          </a:stretch>
+        </p:blipFill>
+        <p:spPr>
+          <a:xfrm>
+            <a:off x="457200" y="4114800"/>
+            <a:ext cx="4114800" cy="2103120"/>
+          </a:xfrm>
+          <a:prstGeom prst="rect">
+            <a:avLst/>
+          </a:prstGeom>
+        </p:spPr>
+      </p:pic>
+      <p:sp>
+        <p:nvSpPr>
+          <p:cNvPr id="6" name="TextBox 5"/>
+          <p:cNvSpPr txBox="1"/>
+          <p:nvPr/>
+        </p:nvSpPr>
+        <p:spPr>
+          <a:xfrm>
+            <a:off x="4754880" y="4114800"/>
+            <a:ext cx="3931920" cy="2103120"/>
+          </a:xfrm>
+          <a:prstGeom prst="rect">
+            <a:avLst/>
+          </a:prstGeom>
+          <a:noFill/>
+        </p:spPr>
+        <p:txBody>
+          <a:bodyPr wrap="none">
+            <a:spAutoFit/>
+          </a:bodyPr>
+          <a:lstStyle/>
+          <a:p>
+            <a:pPr>
+              <a:spcAft>
+                <a:spcPts val="800"/>
+              </a:spcAft>
+              <a:defRPr sz="1200">
+                <a:latin typeface="Calibri"/>
+              </a:defRPr>
+            </a:pPr>
+            <a:r>
+              <a:t>1. Highest Toplam Haber: Radyo (104)</a:t>
+            </a:r>
+          </a:p>
+          <a:p>
+            <a:pPr>
+              <a:spcAft>
+                <a:spcPts val="800"/>
+              </a:spcAft>
+              <a:defRPr sz="1200">
+                <a:latin typeface="Calibri"/>
+              </a:defRPr>
+            </a:pPr>
+            <a:r>
+              <a:t>2. Top 3 in Toplam Haber: Radyo, Basın, Sosyal Medya</a:t>
+            </a:r>
+          </a:p>
+        </p:txBody>
+      </p:sp>
     </p:spTree>
   </p:cSld>
   <p:clrMapOvr>
@@ -3321,6 +5446,1383 @@
           <a:p/>
         </p:txBody>
       </p:sp>
+      <p:sp>
+        <p:nvSpPr>
+          <p:cNvPr id="3" name="TextBox 2"/>
+          <p:cNvSpPr txBox="1"/>
+          <p:nvPr/>
+        </p:nvSpPr>
+        <p:spPr>
+          <a:xfrm>
+            <a:off x="457200" y="365760"/>
+            <a:ext cx="8229600" cy="548640"/>
+          </a:xfrm>
+          <a:prstGeom prst="rect">
+            <a:avLst/>
+          </a:prstGeom>
+          <a:noFill/>
+        </p:spPr>
+        <p:txBody>
+          <a:bodyPr wrap="none">
+            <a:spAutoFit/>
+          </a:bodyPr>
+          <a:lstStyle/>
+          <a:p>
+            <a:pPr algn="l"/>
+            <a:r>
+              <a:rPr sz="2800" b="1" i="0">
+                <a:solidFill>
+                  <a:srgbClr val="1F2937"/>
+                </a:solidFill>
+                <a:latin typeface="Calibri"/>
+              </a:rPr>
+              <a:t>Etki Özeti</a:t>
+            </a:r>
+          </a:p>
+        </p:txBody>
+      </p:sp>
+      <p:pic>
+        <p:nvPicPr>
+          <p:cNvPr id="4" name="Picture 3" descr="tmp6x7__28n.png"/>
+          <p:cNvPicPr>
+            <a:picLocks noChangeAspect="1"/>
+          </p:cNvPicPr>
+          <p:nvPr/>
+        </p:nvPicPr>
+        <p:blipFill>
+          <a:blip r:embed="rId2"/>
+          <a:stretch>
+            <a:fillRect/>
+          </a:stretch>
+        </p:blipFill>
+        <p:spPr>
+          <a:xfrm>
+            <a:off x="457200" y="1097280"/>
+            <a:ext cx="8229600" cy="2560320"/>
+          </a:xfrm>
+          <a:prstGeom prst="rect">
+            <a:avLst/>
+          </a:prstGeom>
+        </p:spPr>
+      </p:pic>
+      <p:graphicFrame>
+        <p:nvGraphicFramePr>
+          <p:cNvPr id="5" name="Table 4"/>
+          <p:cNvGraphicFramePr>
+            <a:graphicFrameLocks noGrp="1"/>
+          </p:cNvGraphicFramePr>
+          <p:nvPr/>
+        </p:nvGraphicFramePr>
+        <p:xfrm>
+          <a:off x="457200" y="3931920"/>
+          <a:ext cx="8229600" cy="2286000"/>
+        </p:xfrm>
+        <a:graphic>
+          <a:graphicData uri="http://schemas.openxmlformats.org/drawingml/2006/table">
+            <a:tbl>
+              <a:tblPr firstRow="1" bandRow="1">
+                <a:tableStyleId>{5C22544A-7EE6-4342-B048-85BDC9FD1C3A}</a:tableStyleId>
+              </a:tblPr>
+              <a:tblGrid>
+                <a:gridCol w="2057400"/>
+                <a:gridCol w="2057400"/>
+                <a:gridCol w="2057400"/>
+                <a:gridCol w="2057400"/>
+              </a:tblGrid>
+              <a:tr h="99391">
+                <a:tc>
+                  <a:txBody>
+                    <a:bodyPr/>
+                    <a:lstStyle/>
+                    <a:p>
+                      <a:pPr algn="ctr"/>
+                      <a:r>
+                        <a:rPr sz="1100" b="1">
+                          <a:solidFill>
+                            <a:srgbClr val="FFFFFF"/>
+                          </a:solidFill>
+                          <a:latin typeface="Calibri"/>
+                        </a:rPr>
+                        <a:t>Kategori</a:t>
+                      </a:r>
+                    </a:p>
+                  </a:txBody>
+                  <a:tcPr>
+                    <a:solidFill>
+                      <a:srgbClr val="059669"/>
+                    </a:solidFill>
+                  </a:tcPr>
+                </a:tc>
+                <a:tc>
+                  <a:txBody>
+                    <a:bodyPr/>
+                    <a:lstStyle/>
+                    <a:p>
+                      <a:pPr algn="ctr"/>
+                      <a:r>
+                        <a:rPr sz="1100" b="1">
+                          <a:solidFill>
+                            <a:srgbClr val="FFFFFF"/>
+                          </a:solidFill>
+                          <a:latin typeface="Calibri"/>
+                        </a:rPr>
+                        <a:t>Toplam Haber</a:t>
+                      </a:r>
+                    </a:p>
+                  </a:txBody>
+                  <a:tcPr>
+                    <a:solidFill>
+                      <a:srgbClr val="059669"/>
+                    </a:solidFill>
+                  </a:tcPr>
+                </a:tc>
+                <a:tc>
+                  <a:txBody>
+                    <a:bodyPr/>
+                    <a:lstStyle/>
+                    <a:p>
+                      <a:pPr algn="ctr"/>
+                      <a:r>
+                        <a:rPr sz="1100" b="1">
+                          <a:solidFill>
+                            <a:srgbClr val="FFFFFF"/>
+                          </a:solidFill>
+                          <a:latin typeface="Calibri"/>
+                        </a:rPr>
+                        <a:t>Erişim</a:t>
+                      </a:r>
+                    </a:p>
+                  </a:txBody>
+                  <a:tcPr>
+                    <a:solidFill>
+                      <a:srgbClr val="059669"/>
+                    </a:solidFill>
+                  </a:tcPr>
+                </a:tc>
+                <a:tc>
+                  <a:txBody>
+                    <a:bodyPr/>
+                    <a:lstStyle/>
+                    <a:p>
+                      <a:pPr algn="ctr"/>
+                      <a:r>
+                        <a:rPr sz="1100" b="1">
+                          <a:solidFill>
+                            <a:srgbClr val="FFFFFF"/>
+                          </a:solidFill>
+                          <a:latin typeface="Calibri"/>
+                        </a:rPr>
+                        <a:t>Net Etki</a:t>
+                      </a:r>
+                    </a:p>
+                  </a:txBody>
+                  <a:tcPr>
+                    <a:solidFill>
+                      <a:srgbClr val="059669"/>
+                    </a:solidFill>
+                  </a:tcPr>
+                </a:tc>
+              </a:tr>
+              <a:tr h="99391">
+                <a:tc>
+                  <a:txBody>
+                    <a:bodyPr/>
+                    <a:lstStyle/>
+                    <a:p>
+                      <a:r>
+                        <a:rPr sz="1100">
+                          <a:solidFill>
+                            <a:srgbClr val="000000"/>
+                          </a:solidFill>
+                          <a:latin typeface="Calibri"/>
+                        </a:rPr>
+                        <a:t>Kurumsal Haberler</a:t>
+                      </a:r>
+                    </a:p>
+                  </a:txBody>
+                  <a:tcPr>
+                    <a:solidFill>
+                      <a:srgbClr val="FFFFFF"/>
+                    </a:solidFill>
+                  </a:tcPr>
+                </a:tc>
+                <a:tc>
+                  <a:txBody>
+                    <a:bodyPr/>
+                    <a:lstStyle/>
+                    <a:p>
+                      <a:r>
+                        <a:rPr sz="1100">
+                          <a:solidFill>
+                            <a:srgbClr val="000000"/>
+                          </a:solidFill>
+                          <a:latin typeface="Calibri"/>
+                        </a:rPr>
+                        <a:t>57</a:t>
+                      </a:r>
+                    </a:p>
+                  </a:txBody>
+                  <a:tcPr>
+                    <a:solidFill>
+                      <a:srgbClr val="FFFFFF"/>
+                    </a:solidFill>
+                  </a:tcPr>
+                </a:tc>
+                <a:tc>
+                  <a:txBody>
+                    <a:bodyPr/>
+                    <a:lstStyle/>
+                    <a:p>
+                      <a:r>
+                        <a:rPr sz="1100">
+                          <a:solidFill>
+                            <a:srgbClr val="000000"/>
+                          </a:solidFill>
+                          <a:latin typeface="Calibri"/>
+                        </a:rPr>
+                        <a:t>211,645.00</a:t>
+                      </a:r>
+                    </a:p>
+                  </a:txBody>
+                  <a:tcPr>
+                    <a:solidFill>
+                      <a:srgbClr val="FFFFFF"/>
+                    </a:solidFill>
+                  </a:tcPr>
+                </a:tc>
+                <a:tc>
+                  <a:txBody>
+                    <a:bodyPr/>
+                    <a:lstStyle/>
+                    <a:p>
+                      <a:r>
+                        <a:rPr sz="1100">
+                          <a:solidFill>
+                            <a:srgbClr val="000000"/>
+                          </a:solidFill>
+                          <a:latin typeface="Calibri"/>
+                        </a:rPr>
+                        <a:t>43,304.00</a:t>
+                      </a:r>
+                    </a:p>
+                  </a:txBody>
+                  <a:tcPr>
+                    <a:solidFill>
+                      <a:srgbClr val="FFFFFF"/>
+                    </a:solidFill>
+                  </a:tcPr>
+                </a:tc>
+              </a:tr>
+              <a:tr h="99391">
+                <a:tc>
+                  <a:txBody>
+                    <a:bodyPr/>
+                    <a:lstStyle/>
+                    <a:p>
+                      <a:r>
+                        <a:rPr sz="1100">
+                          <a:solidFill>
+                            <a:srgbClr val="000000"/>
+                          </a:solidFill>
+                          <a:latin typeface="Calibri"/>
+                        </a:rPr>
+                        <a:t>Ortaklıklar</a:t>
+                      </a:r>
+                    </a:p>
+                  </a:txBody>
+                  <a:tcPr>
+                    <a:solidFill>
+                      <a:srgbClr val="F3F4F6"/>
+                    </a:solidFill>
+                  </a:tcPr>
+                </a:tc>
+                <a:tc>
+                  <a:txBody>
+                    <a:bodyPr/>
+                    <a:lstStyle/>
+                    <a:p>
+                      <a:r>
+                        <a:rPr sz="1100">
+                          <a:solidFill>
+                            <a:srgbClr val="000000"/>
+                          </a:solidFill>
+                          <a:latin typeface="Calibri"/>
+                        </a:rPr>
+                        <a:t>21</a:t>
+                      </a:r>
+                    </a:p>
+                  </a:txBody>
+                  <a:tcPr>
+                    <a:solidFill>
+                      <a:srgbClr val="F3F4F6"/>
+                    </a:solidFill>
+                  </a:tcPr>
+                </a:tc>
+                <a:tc>
+                  <a:txBody>
+                    <a:bodyPr/>
+                    <a:lstStyle/>
+                    <a:p>
+                      <a:r>
+                        <a:rPr sz="1100">
+                          <a:solidFill>
+                            <a:srgbClr val="000000"/>
+                          </a:solidFill>
+                          <a:latin typeface="Calibri"/>
+                        </a:rPr>
+                        <a:t>88,455.00</a:t>
+                      </a:r>
+                    </a:p>
+                  </a:txBody>
+                  <a:tcPr>
+                    <a:solidFill>
+                      <a:srgbClr val="F3F4F6"/>
+                    </a:solidFill>
+                  </a:tcPr>
+                </a:tc>
+                <a:tc>
+                  <a:txBody>
+                    <a:bodyPr/>
+                    <a:lstStyle/>
+                    <a:p>
+                      <a:r>
+                        <a:rPr sz="1100">
+                          <a:solidFill>
+                            <a:srgbClr val="000000"/>
+                          </a:solidFill>
+                          <a:latin typeface="Calibri"/>
+                        </a:rPr>
+                        <a:t>37,853.00</a:t>
+                      </a:r>
+                    </a:p>
+                  </a:txBody>
+                  <a:tcPr>
+                    <a:solidFill>
+                      <a:srgbClr val="F3F4F6"/>
+                    </a:solidFill>
+                  </a:tcPr>
+                </a:tc>
+              </a:tr>
+              <a:tr h="99391">
+                <a:tc>
+                  <a:txBody>
+                    <a:bodyPr/>
+                    <a:lstStyle/>
+                    <a:p>
+                      <a:r>
+                        <a:rPr sz="1100">
+                          <a:solidFill>
+                            <a:srgbClr val="000000"/>
+                          </a:solidFill>
+                          <a:latin typeface="Calibri"/>
+                        </a:rPr>
+                        <a:t>Finansal Sonuçlar</a:t>
+                      </a:r>
+                    </a:p>
+                  </a:txBody>
+                  <a:tcPr>
+                    <a:solidFill>
+                      <a:srgbClr val="FFFFFF"/>
+                    </a:solidFill>
+                  </a:tcPr>
+                </a:tc>
+                <a:tc>
+                  <a:txBody>
+                    <a:bodyPr/>
+                    <a:lstStyle/>
+                    <a:p>
+                      <a:r>
+                        <a:rPr sz="1100">
+                          <a:solidFill>
+                            <a:srgbClr val="000000"/>
+                          </a:solidFill>
+                          <a:latin typeface="Calibri"/>
+                        </a:rPr>
+                        <a:t>61</a:t>
+                      </a:r>
+                    </a:p>
+                  </a:txBody>
+                  <a:tcPr>
+                    <a:solidFill>
+                      <a:srgbClr val="FFFFFF"/>
+                    </a:solidFill>
+                  </a:tcPr>
+                </a:tc>
+                <a:tc>
+                  <a:txBody>
+                    <a:bodyPr/>
+                    <a:lstStyle/>
+                    <a:p>
+                      <a:r>
+                        <a:rPr sz="1100">
+                          <a:solidFill>
+                            <a:srgbClr val="000000"/>
+                          </a:solidFill>
+                          <a:latin typeface="Calibri"/>
+                        </a:rPr>
+                        <a:t>77,712.00</a:t>
+                      </a:r>
+                    </a:p>
+                  </a:txBody>
+                  <a:tcPr>
+                    <a:solidFill>
+                      <a:srgbClr val="FFFFFF"/>
+                    </a:solidFill>
+                  </a:tcPr>
+                </a:tc>
+                <a:tc>
+                  <a:txBody>
+                    <a:bodyPr/>
+                    <a:lstStyle/>
+                    <a:p>
+                      <a:r>
+                        <a:rPr sz="1100">
+                          <a:solidFill>
+                            <a:srgbClr val="000000"/>
+                          </a:solidFill>
+                          <a:latin typeface="Calibri"/>
+                        </a:rPr>
+                        <a:t>37,300.00</a:t>
+                      </a:r>
+                    </a:p>
+                  </a:txBody>
+                  <a:tcPr>
+                    <a:solidFill>
+                      <a:srgbClr val="FFFFFF"/>
+                    </a:solidFill>
+                  </a:tcPr>
+                </a:tc>
+              </a:tr>
+              <a:tr h="99391">
+                <a:tc>
+                  <a:txBody>
+                    <a:bodyPr/>
+                    <a:lstStyle/>
+                    <a:p>
+                      <a:r>
+                        <a:rPr sz="1100">
+                          <a:solidFill>
+                            <a:srgbClr val="000000"/>
+                          </a:solidFill>
+                          <a:latin typeface="Calibri"/>
+                        </a:rPr>
+                        <a:t>Sosyal Sorumluluk</a:t>
+                      </a:r>
+                    </a:p>
+                  </a:txBody>
+                  <a:tcPr>
+                    <a:solidFill>
+                      <a:srgbClr val="F3F4F6"/>
+                    </a:solidFill>
+                  </a:tcPr>
+                </a:tc>
+                <a:tc>
+                  <a:txBody>
+                    <a:bodyPr/>
+                    <a:lstStyle/>
+                    <a:p>
+                      <a:r>
+                        <a:rPr sz="1100">
+                          <a:solidFill>
+                            <a:srgbClr val="000000"/>
+                          </a:solidFill>
+                          <a:latin typeface="Calibri"/>
+                        </a:rPr>
+                        <a:t>51</a:t>
+                      </a:r>
+                    </a:p>
+                  </a:txBody>
+                  <a:tcPr>
+                    <a:solidFill>
+                      <a:srgbClr val="F3F4F6"/>
+                    </a:solidFill>
+                  </a:tcPr>
+                </a:tc>
+                <a:tc>
+                  <a:txBody>
+                    <a:bodyPr/>
+                    <a:lstStyle/>
+                    <a:p>
+                      <a:r>
+                        <a:rPr sz="1100">
+                          <a:solidFill>
+                            <a:srgbClr val="000000"/>
+                          </a:solidFill>
+                          <a:latin typeface="Calibri"/>
+                        </a:rPr>
+                        <a:t>426,550.00</a:t>
+                      </a:r>
+                    </a:p>
+                  </a:txBody>
+                  <a:tcPr>
+                    <a:solidFill>
+                      <a:srgbClr val="F3F4F6"/>
+                    </a:solidFill>
+                  </a:tcPr>
+                </a:tc>
+                <a:tc>
+                  <a:txBody>
+                    <a:bodyPr/>
+                    <a:lstStyle/>
+                    <a:p>
+                      <a:r>
+                        <a:rPr sz="1100">
+                          <a:solidFill>
+                            <a:srgbClr val="000000"/>
+                          </a:solidFill>
+                          <a:latin typeface="Calibri"/>
+                        </a:rPr>
+                        <a:t>30,664.00</a:t>
+                      </a:r>
+                    </a:p>
+                  </a:txBody>
+                  <a:tcPr>
+                    <a:solidFill>
+                      <a:srgbClr val="F3F4F6"/>
+                    </a:solidFill>
+                  </a:tcPr>
+                </a:tc>
+              </a:tr>
+              <a:tr h="99391">
+                <a:tc>
+                  <a:txBody>
+                    <a:bodyPr/>
+                    <a:lstStyle/>
+                    <a:p>
+                      <a:r>
+                        <a:rPr sz="1100">
+                          <a:solidFill>
+                            <a:srgbClr val="000000"/>
+                          </a:solidFill>
+                          <a:latin typeface="Calibri"/>
+                        </a:rPr>
+                        <a:t>İnsan Kaynakları</a:t>
+                      </a:r>
+                    </a:p>
+                  </a:txBody>
+                  <a:tcPr>
+                    <a:solidFill>
+                      <a:srgbClr val="FFFFFF"/>
+                    </a:solidFill>
+                  </a:tcPr>
+                </a:tc>
+                <a:tc>
+                  <a:txBody>
+                    <a:bodyPr/>
+                    <a:lstStyle/>
+                    <a:p>
+                      <a:r>
+                        <a:rPr sz="1100">
+                          <a:solidFill>
+                            <a:srgbClr val="000000"/>
+                          </a:solidFill>
+                          <a:latin typeface="Calibri"/>
+                        </a:rPr>
+                        <a:t>70</a:t>
+                      </a:r>
+                    </a:p>
+                  </a:txBody>
+                  <a:tcPr>
+                    <a:solidFill>
+                      <a:srgbClr val="FFFFFF"/>
+                    </a:solidFill>
+                  </a:tcPr>
+                </a:tc>
+                <a:tc>
+                  <a:txBody>
+                    <a:bodyPr/>
+                    <a:lstStyle/>
+                    <a:p>
+                      <a:r>
+                        <a:rPr sz="1100">
+                          <a:solidFill>
+                            <a:srgbClr val="000000"/>
+                          </a:solidFill>
+                          <a:latin typeface="Calibri"/>
+                        </a:rPr>
+                        <a:t>354,631.00</a:t>
+                      </a:r>
+                    </a:p>
+                  </a:txBody>
+                  <a:tcPr>
+                    <a:solidFill>
+                      <a:srgbClr val="FFFFFF"/>
+                    </a:solidFill>
+                  </a:tcPr>
+                </a:tc>
+                <a:tc>
+                  <a:txBody>
+                    <a:bodyPr/>
+                    <a:lstStyle/>
+                    <a:p>
+                      <a:r>
+                        <a:rPr sz="1100">
+                          <a:solidFill>
+                            <a:srgbClr val="000000"/>
+                          </a:solidFill>
+                          <a:latin typeface="Calibri"/>
+                        </a:rPr>
+                        <a:t>29,011.00</a:t>
+                      </a:r>
+                    </a:p>
+                  </a:txBody>
+                  <a:tcPr>
+                    <a:solidFill>
+                      <a:srgbClr val="FFFFFF"/>
+                    </a:solidFill>
+                  </a:tcPr>
+                </a:tc>
+              </a:tr>
+              <a:tr h="99391">
+                <a:tc>
+                  <a:txBody>
+                    <a:bodyPr/>
+                    <a:lstStyle/>
+                    <a:p>
+                      <a:r>
+                        <a:rPr sz="1100">
+                          <a:solidFill>
+                            <a:srgbClr val="000000"/>
+                          </a:solidFill>
+                          <a:latin typeface="Calibri"/>
+                        </a:rPr>
+                        <a:t>Yatırımlar</a:t>
+                      </a:r>
+                    </a:p>
+                  </a:txBody>
+                  <a:tcPr>
+                    <a:solidFill>
+                      <a:srgbClr val="F3F4F6"/>
+                    </a:solidFill>
+                  </a:tcPr>
+                </a:tc>
+                <a:tc>
+                  <a:txBody>
+                    <a:bodyPr/>
+                    <a:lstStyle/>
+                    <a:p>
+                      <a:r>
+                        <a:rPr sz="1100">
+                          <a:solidFill>
+                            <a:srgbClr val="000000"/>
+                          </a:solidFill>
+                          <a:latin typeface="Calibri"/>
+                        </a:rPr>
+                        <a:t>78</a:t>
+                      </a:r>
+                    </a:p>
+                  </a:txBody>
+                  <a:tcPr>
+                    <a:solidFill>
+                      <a:srgbClr val="F3F4F6"/>
+                    </a:solidFill>
+                  </a:tcPr>
+                </a:tc>
+                <a:tc>
+                  <a:txBody>
+                    <a:bodyPr/>
+                    <a:lstStyle/>
+                    <a:p>
+                      <a:r>
+                        <a:rPr sz="1100">
+                          <a:solidFill>
+                            <a:srgbClr val="000000"/>
+                          </a:solidFill>
+                          <a:latin typeface="Calibri"/>
+                        </a:rPr>
+                        <a:t>153,442.00</a:t>
+                      </a:r>
+                    </a:p>
+                  </a:txBody>
+                  <a:tcPr>
+                    <a:solidFill>
+                      <a:srgbClr val="F3F4F6"/>
+                    </a:solidFill>
+                  </a:tcPr>
+                </a:tc>
+                <a:tc>
+                  <a:txBody>
+                    <a:bodyPr/>
+                    <a:lstStyle/>
+                    <a:p>
+                      <a:r>
+                        <a:rPr sz="1100">
+                          <a:solidFill>
+                            <a:srgbClr val="000000"/>
+                          </a:solidFill>
+                          <a:latin typeface="Calibri"/>
+                        </a:rPr>
+                        <a:t>27,152.00</a:t>
+                      </a:r>
+                    </a:p>
+                  </a:txBody>
+                  <a:tcPr>
+                    <a:solidFill>
+                      <a:srgbClr val="F3F4F6"/>
+                    </a:solidFill>
+                  </a:tcPr>
+                </a:tc>
+              </a:tr>
+              <a:tr h="99391">
+                <a:tc>
+                  <a:txBody>
+                    <a:bodyPr/>
+                    <a:lstStyle/>
+                    <a:p>
+                      <a:r>
+                        <a:rPr sz="1100">
+                          <a:solidFill>
+                            <a:srgbClr val="000000"/>
+                          </a:solidFill>
+                          <a:latin typeface="Calibri"/>
+                        </a:rPr>
+                        <a:t>Ürün ve Hizmetler</a:t>
+                      </a:r>
+                    </a:p>
+                  </a:txBody>
+                  <a:tcPr>
+                    <a:solidFill>
+                      <a:srgbClr val="FFFFFF"/>
+                    </a:solidFill>
+                  </a:tcPr>
+                </a:tc>
+                <a:tc>
+                  <a:txBody>
+                    <a:bodyPr/>
+                    <a:lstStyle/>
+                    <a:p>
+                      <a:r>
+                        <a:rPr sz="1100">
+                          <a:solidFill>
+                            <a:srgbClr val="000000"/>
+                          </a:solidFill>
+                          <a:latin typeface="Calibri"/>
+                        </a:rPr>
+                        <a:t>26</a:t>
+                      </a:r>
+                    </a:p>
+                  </a:txBody>
+                  <a:tcPr>
+                    <a:solidFill>
+                      <a:srgbClr val="FFFFFF"/>
+                    </a:solidFill>
+                  </a:tcPr>
+                </a:tc>
+                <a:tc>
+                  <a:txBody>
+                    <a:bodyPr/>
+                    <a:lstStyle/>
+                    <a:p>
+                      <a:r>
+                        <a:rPr sz="1100">
+                          <a:solidFill>
+                            <a:srgbClr val="000000"/>
+                          </a:solidFill>
+                          <a:latin typeface="Calibri"/>
+                        </a:rPr>
+                        <a:t>449,560.00</a:t>
+                      </a:r>
+                    </a:p>
+                  </a:txBody>
+                  <a:tcPr>
+                    <a:solidFill>
+                      <a:srgbClr val="FFFFFF"/>
+                    </a:solidFill>
+                  </a:tcPr>
+                </a:tc>
+                <a:tc>
+                  <a:txBody>
+                    <a:bodyPr/>
+                    <a:lstStyle/>
+                    <a:p>
+                      <a:r>
+                        <a:rPr sz="1100">
+                          <a:solidFill>
+                            <a:srgbClr val="000000"/>
+                          </a:solidFill>
+                          <a:latin typeface="Calibri"/>
+                        </a:rPr>
+                        <a:t>16,334.00</a:t>
+                      </a:r>
+                    </a:p>
+                  </a:txBody>
+                  <a:tcPr>
+                    <a:solidFill>
+                      <a:srgbClr val="FFFFFF"/>
+                    </a:solidFill>
+                  </a:tcPr>
+                </a:tc>
+              </a:tr>
+              <a:tr h="99391">
+                <a:tc>
+                  <a:txBody>
+                    <a:bodyPr/>
+                    <a:lstStyle/>
+                    <a:p>
+                      <a:r>
+                        <a:rPr sz="1100">
+                          <a:solidFill>
+                            <a:srgbClr val="000000"/>
+                          </a:solidFill>
+                          <a:latin typeface="Calibri"/>
+                        </a:rPr>
+                        <a:t>Çevre ve Enerji</a:t>
+                      </a:r>
+                    </a:p>
+                  </a:txBody>
+                  <a:tcPr>
+                    <a:solidFill>
+                      <a:srgbClr val="F3F4F6"/>
+                    </a:solidFill>
+                  </a:tcPr>
+                </a:tc>
+                <a:tc>
+                  <a:txBody>
+                    <a:bodyPr/>
+                    <a:lstStyle/>
+                    <a:p>
+                      <a:r>
+                        <a:rPr sz="1100">
+                          <a:solidFill>
+                            <a:srgbClr val="000000"/>
+                          </a:solidFill>
+                          <a:latin typeface="Calibri"/>
+                        </a:rPr>
+                        <a:t>69</a:t>
+                      </a:r>
+                    </a:p>
+                  </a:txBody>
+                  <a:tcPr>
+                    <a:solidFill>
+                      <a:srgbClr val="F3F4F6"/>
+                    </a:solidFill>
+                  </a:tcPr>
+                </a:tc>
+                <a:tc>
+                  <a:txBody>
+                    <a:bodyPr/>
+                    <a:lstStyle/>
+                    <a:p>
+                      <a:r>
+                        <a:rPr sz="1100">
+                          <a:solidFill>
+                            <a:srgbClr val="000000"/>
+                          </a:solidFill>
+                          <a:latin typeface="Calibri"/>
+                        </a:rPr>
+                        <a:t>176,419.00</a:t>
+                      </a:r>
+                    </a:p>
+                  </a:txBody>
+                  <a:tcPr>
+                    <a:solidFill>
+                      <a:srgbClr val="F3F4F6"/>
+                    </a:solidFill>
+                  </a:tcPr>
+                </a:tc>
+                <a:tc>
+                  <a:txBody>
+                    <a:bodyPr/>
+                    <a:lstStyle/>
+                    <a:p>
+                      <a:r>
+                        <a:rPr sz="1100">
+                          <a:solidFill>
+                            <a:srgbClr val="000000"/>
+                          </a:solidFill>
+                          <a:latin typeface="Calibri"/>
+                        </a:rPr>
+                        <a:t>5,975.00</a:t>
+                      </a:r>
+                    </a:p>
+                  </a:txBody>
+                  <a:tcPr>
+                    <a:solidFill>
+                      <a:srgbClr val="F3F4F6"/>
+                    </a:solidFill>
+                  </a:tcPr>
+                </a:tc>
+              </a:tr>
+              <a:tr h="99391">
+                <a:tc>
+                  <a:txBody>
+                    <a:bodyPr/>
+                    <a:lstStyle/>
+                    <a:p/>
+                  </a:txBody>
+                  <a:tcPr/>
+                </a:tc>
+                <a:tc>
+                  <a:txBody>
+                    <a:bodyPr/>
+                    <a:lstStyle/>
+                    <a:p/>
+                  </a:txBody>
+                  <a:tcPr/>
+                </a:tc>
+                <a:tc>
+                  <a:txBody>
+                    <a:bodyPr/>
+                    <a:lstStyle/>
+                    <a:p/>
+                  </a:txBody>
+                  <a:tcPr/>
+                </a:tc>
+                <a:tc>
+                  <a:txBody>
+                    <a:bodyPr/>
+                    <a:lstStyle/>
+                    <a:p/>
+                  </a:txBody>
+                  <a:tcPr/>
+                </a:tc>
+              </a:tr>
+              <a:tr h="99391">
+                <a:tc>
+                  <a:txBody>
+                    <a:bodyPr/>
+                    <a:lstStyle/>
+                    <a:p/>
+                  </a:txBody>
+                  <a:tcPr/>
+                </a:tc>
+                <a:tc>
+                  <a:txBody>
+                    <a:bodyPr/>
+                    <a:lstStyle/>
+                    <a:p/>
+                  </a:txBody>
+                  <a:tcPr/>
+                </a:tc>
+                <a:tc>
+                  <a:txBody>
+                    <a:bodyPr/>
+                    <a:lstStyle/>
+                    <a:p/>
+                  </a:txBody>
+                  <a:tcPr/>
+                </a:tc>
+                <a:tc>
+                  <a:txBody>
+                    <a:bodyPr/>
+                    <a:lstStyle/>
+                    <a:p/>
+                  </a:txBody>
+                  <a:tcPr/>
+                </a:tc>
+              </a:tr>
+              <a:tr h="99391">
+                <a:tc>
+                  <a:txBody>
+                    <a:bodyPr/>
+                    <a:lstStyle/>
+                    <a:p/>
+                  </a:txBody>
+                  <a:tcPr/>
+                </a:tc>
+                <a:tc>
+                  <a:txBody>
+                    <a:bodyPr/>
+                    <a:lstStyle/>
+                    <a:p/>
+                  </a:txBody>
+                  <a:tcPr/>
+                </a:tc>
+                <a:tc>
+                  <a:txBody>
+                    <a:bodyPr/>
+                    <a:lstStyle/>
+                    <a:p/>
+                  </a:txBody>
+                  <a:tcPr/>
+                </a:tc>
+                <a:tc>
+                  <a:txBody>
+                    <a:bodyPr/>
+                    <a:lstStyle/>
+                    <a:p/>
+                  </a:txBody>
+                  <a:tcPr/>
+                </a:tc>
+              </a:tr>
+              <a:tr h="99391">
+                <a:tc>
+                  <a:txBody>
+                    <a:bodyPr/>
+                    <a:lstStyle/>
+                    <a:p/>
+                  </a:txBody>
+                  <a:tcPr/>
+                </a:tc>
+                <a:tc>
+                  <a:txBody>
+                    <a:bodyPr/>
+                    <a:lstStyle/>
+                    <a:p/>
+                  </a:txBody>
+                  <a:tcPr/>
+                </a:tc>
+                <a:tc>
+                  <a:txBody>
+                    <a:bodyPr/>
+                    <a:lstStyle/>
+                    <a:p/>
+                  </a:txBody>
+                  <a:tcPr/>
+                </a:tc>
+                <a:tc>
+                  <a:txBody>
+                    <a:bodyPr/>
+                    <a:lstStyle/>
+                    <a:p/>
+                  </a:txBody>
+                  <a:tcPr/>
+                </a:tc>
+              </a:tr>
+              <a:tr h="99391">
+                <a:tc>
+                  <a:txBody>
+                    <a:bodyPr/>
+                    <a:lstStyle/>
+                    <a:p/>
+                  </a:txBody>
+                  <a:tcPr/>
+                </a:tc>
+                <a:tc>
+                  <a:txBody>
+                    <a:bodyPr/>
+                    <a:lstStyle/>
+                    <a:p/>
+                  </a:txBody>
+                  <a:tcPr/>
+                </a:tc>
+                <a:tc>
+                  <a:txBody>
+                    <a:bodyPr/>
+                    <a:lstStyle/>
+                    <a:p/>
+                  </a:txBody>
+                  <a:tcPr/>
+                </a:tc>
+                <a:tc>
+                  <a:txBody>
+                    <a:bodyPr/>
+                    <a:lstStyle/>
+                    <a:p/>
+                  </a:txBody>
+                  <a:tcPr/>
+                </a:tc>
+              </a:tr>
+              <a:tr h="99391">
+                <a:tc>
+                  <a:txBody>
+                    <a:bodyPr/>
+                    <a:lstStyle/>
+                    <a:p/>
+                  </a:txBody>
+                  <a:tcPr/>
+                </a:tc>
+                <a:tc>
+                  <a:txBody>
+                    <a:bodyPr/>
+                    <a:lstStyle/>
+                    <a:p/>
+                  </a:txBody>
+                  <a:tcPr/>
+                </a:tc>
+                <a:tc>
+                  <a:txBody>
+                    <a:bodyPr/>
+                    <a:lstStyle/>
+                    <a:p/>
+                  </a:txBody>
+                  <a:tcPr/>
+                </a:tc>
+                <a:tc>
+                  <a:txBody>
+                    <a:bodyPr/>
+                    <a:lstStyle/>
+                    <a:p/>
+                  </a:txBody>
+                  <a:tcPr/>
+                </a:tc>
+              </a:tr>
+              <a:tr h="99391">
+                <a:tc>
+                  <a:txBody>
+                    <a:bodyPr/>
+                    <a:lstStyle/>
+                    <a:p/>
+                  </a:txBody>
+                  <a:tcPr/>
+                </a:tc>
+                <a:tc>
+                  <a:txBody>
+                    <a:bodyPr/>
+                    <a:lstStyle/>
+                    <a:p/>
+                  </a:txBody>
+                  <a:tcPr/>
+                </a:tc>
+                <a:tc>
+                  <a:txBody>
+                    <a:bodyPr/>
+                    <a:lstStyle/>
+                    <a:p/>
+                  </a:txBody>
+                  <a:tcPr/>
+                </a:tc>
+                <a:tc>
+                  <a:txBody>
+                    <a:bodyPr/>
+                    <a:lstStyle/>
+                    <a:p/>
+                  </a:txBody>
+                  <a:tcPr/>
+                </a:tc>
+              </a:tr>
+              <a:tr h="99391">
+                <a:tc>
+                  <a:txBody>
+                    <a:bodyPr/>
+                    <a:lstStyle/>
+                    <a:p/>
+                  </a:txBody>
+                  <a:tcPr/>
+                </a:tc>
+                <a:tc>
+                  <a:txBody>
+                    <a:bodyPr/>
+                    <a:lstStyle/>
+                    <a:p/>
+                  </a:txBody>
+                  <a:tcPr/>
+                </a:tc>
+                <a:tc>
+                  <a:txBody>
+                    <a:bodyPr/>
+                    <a:lstStyle/>
+                    <a:p/>
+                  </a:txBody>
+                  <a:tcPr/>
+                </a:tc>
+                <a:tc>
+                  <a:txBody>
+                    <a:bodyPr/>
+                    <a:lstStyle/>
+                    <a:p/>
+                  </a:txBody>
+                  <a:tcPr/>
+                </a:tc>
+              </a:tr>
+              <a:tr h="99391">
+                <a:tc>
+                  <a:txBody>
+                    <a:bodyPr/>
+                    <a:lstStyle/>
+                    <a:p/>
+                  </a:txBody>
+                  <a:tcPr/>
+                </a:tc>
+                <a:tc>
+                  <a:txBody>
+                    <a:bodyPr/>
+                    <a:lstStyle/>
+                    <a:p/>
+                  </a:txBody>
+                  <a:tcPr/>
+                </a:tc>
+                <a:tc>
+                  <a:txBody>
+                    <a:bodyPr/>
+                    <a:lstStyle/>
+                    <a:p/>
+                  </a:txBody>
+                  <a:tcPr/>
+                </a:tc>
+                <a:tc>
+                  <a:txBody>
+                    <a:bodyPr/>
+                    <a:lstStyle/>
+                    <a:p/>
+                  </a:txBody>
+                  <a:tcPr/>
+                </a:tc>
+              </a:tr>
+              <a:tr h="99391">
+                <a:tc>
+                  <a:txBody>
+                    <a:bodyPr/>
+                    <a:lstStyle/>
+                    <a:p/>
+                  </a:txBody>
+                  <a:tcPr/>
+                </a:tc>
+                <a:tc>
+                  <a:txBody>
+                    <a:bodyPr/>
+                    <a:lstStyle/>
+                    <a:p/>
+                  </a:txBody>
+                  <a:tcPr/>
+                </a:tc>
+                <a:tc>
+                  <a:txBody>
+                    <a:bodyPr/>
+                    <a:lstStyle/>
+                    <a:p/>
+                  </a:txBody>
+                  <a:tcPr/>
+                </a:tc>
+                <a:tc>
+                  <a:txBody>
+                    <a:bodyPr/>
+                    <a:lstStyle/>
+                    <a:p/>
+                  </a:txBody>
+                  <a:tcPr/>
+                </a:tc>
+              </a:tr>
+              <a:tr h="99391">
+                <a:tc>
+                  <a:txBody>
+                    <a:bodyPr/>
+                    <a:lstStyle/>
+                    <a:p/>
+                  </a:txBody>
+                  <a:tcPr/>
+                </a:tc>
+                <a:tc>
+                  <a:txBody>
+                    <a:bodyPr/>
+                    <a:lstStyle/>
+                    <a:p/>
+                  </a:txBody>
+                  <a:tcPr/>
+                </a:tc>
+                <a:tc>
+                  <a:txBody>
+                    <a:bodyPr/>
+                    <a:lstStyle/>
+                    <a:p/>
+                  </a:txBody>
+                  <a:tcPr/>
+                </a:tc>
+                <a:tc>
+                  <a:txBody>
+                    <a:bodyPr/>
+                    <a:lstStyle/>
+                    <a:p/>
+                  </a:txBody>
+                  <a:tcPr/>
+                </a:tc>
+              </a:tr>
+              <a:tr h="99391">
+                <a:tc>
+                  <a:txBody>
+                    <a:bodyPr/>
+                    <a:lstStyle/>
+                    <a:p/>
+                  </a:txBody>
+                  <a:tcPr/>
+                </a:tc>
+                <a:tc>
+                  <a:txBody>
+                    <a:bodyPr/>
+                    <a:lstStyle/>
+                    <a:p/>
+                  </a:txBody>
+                  <a:tcPr/>
+                </a:tc>
+                <a:tc>
+                  <a:txBody>
+                    <a:bodyPr/>
+                    <a:lstStyle/>
+                    <a:p/>
+                  </a:txBody>
+                  <a:tcPr/>
+                </a:tc>
+                <a:tc>
+                  <a:txBody>
+                    <a:bodyPr/>
+                    <a:lstStyle/>
+                    <a:p/>
+                  </a:txBody>
+                  <a:tcPr/>
+                </a:tc>
+              </a:tr>
+              <a:tr h="99391">
+                <a:tc>
+                  <a:txBody>
+                    <a:bodyPr/>
+                    <a:lstStyle/>
+                    <a:p/>
+                  </a:txBody>
+                  <a:tcPr/>
+                </a:tc>
+                <a:tc>
+                  <a:txBody>
+                    <a:bodyPr/>
+                    <a:lstStyle/>
+                    <a:p/>
+                  </a:txBody>
+                  <a:tcPr/>
+                </a:tc>
+                <a:tc>
+                  <a:txBody>
+                    <a:bodyPr/>
+                    <a:lstStyle/>
+                    <a:p/>
+                  </a:txBody>
+                  <a:tcPr/>
+                </a:tc>
+                <a:tc>
+                  <a:txBody>
+                    <a:bodyPr/>
+                    <a:lstStyle/>
+                    <a:p/>
+                  </a:txBody>
+                  <a:tcPr/>
+                </a:tc>
+              </a:tr>
+              <a:tr h="99398">
+                <a:tc>
+                  <a:txBody>
+                    <a:bodyPr/>
+                    <a:lstStyle/>
+                    <a:p/>
+                  </a:txBody>
+                  <a:tcPr/>
+                </a:tc>
+                <a:tc>
+                  <a:txBody>
+                    <a:bodyPr/>
+                    <a:lstStyle/>
+                    <a:p/>
+                  </a:txBody>
+                  <a:tcPr/>
+                </a:tc>
+                <a:tc>
+                  <a:txBody>
+                    <a:bodyPr/>
+                    <a:lstStyle/>
+                    <a:p/>
+                  </a:txBody>
+                  <a:tcPr/>
+                </a:tc>
+                <a:tc>
+                  <a:txBody>
+                    <a:bodyPr/>
+                    <a:lstStyle/>
+                    <a:p/>
+                  </a:txBody>
+                  <a:tcPr/>
+                </a:tc>
+              </a:tr>
+            </a:tbl>
+          </a:graphicData>
+        </a:graphic>
+      </p:graphicFrame>
     </p:spTree>
   </p:cSld>
   <p:clrMapOvr>
